--- a/images/gallery.pptx
+++ b/images/gallery.pptx
@@ -6,6 +6,7 @@
   </p:sldMasterIdLst>
   <p:sldIdLst>
     <p:sldId id="256" r:id="rId2"/>
+    <p:sldId id="257" r:id="rId3"/>
   </p:sldIdLst>
   <p:sldSz cx="9144000" cy="6858000" type="letter"/>
   <p:notesSz cx="6858000" cy="9144000"/>
@@ -104,6 +105,11 @@
       </a:defRPr>
     </a:lvl9pPr>
   </p:defaultTextStyle>
+  <p:extLst>
+    <p:ext uri="{EFAFB233-063F-42B5-8137-9DF3F51BA10A}">
+      <p15:sldGuideLst xmlns:p15="http://schemas.microsoft.com/office/powerpoint/2012/main"/>
+    </p:ext>
+  </p:extLst>
 </p:presentation>
 </file>
 
@@ -238,7 +244,7 @@
           <a:p>
             <a:fld id="{93CEFBB3-A51B-4364-855C-3CE345741057}" type="datetimeFigureOut">
               <a:rPr lang="en-US" smtClean="0"/>
-              <a:t>10/24/2018</a:t>
+              <a:t>10/31/2018</a:t>
             </a:fld>
             <a:endParaRPr lang="en-US"/>
           </a:p>
@@ -408,7 +414,7 @@
           <a:p>
             <a:fld id="{93CEFBB3-A51B-4364-855C-3CE345741057}" type="datetimeFigureOut">
               <a:rPr lang="en-US" smtClean="0"/>
-              <a:t>10/24/2018</a:t>
+              <a:t>10/31/2018</a:t>
             </a:fld>
             <a:endParaRPr lang="en-US"/>
           </a:p>
@@ -588,7 +594,7 @@
           <a:p>
             <a:fld id="{93CEFBB3-A51B-4364-855C-3CE345741057}" type="datetimeFigureOut">
               <a:rPr lang="en-US" smtClean="0"/>
-              <a:t>10/24/2018</a:t>
+              <a:t>10/31/2018</a:t>
             </a:fld>
             <a:endParaRPr lang="en-US"/>
           </a:p>
@@ -758,7 +764,7 @@
           <a:p>
             <a:fld id="{93CEFBB3-A51B-4364-855C-3CE345741057}" type="datetimeFigureOut">
               <a:rPr lang="en-US" smtClean="0"/>
-              <a:t>10/24/2018</a:t>
+              <a:t>10/31/2018</a:t>
             </a:fld>
             <a:endParaRPr lang="en-US"/>
           </a:p>
@@ -1002,7 +1008,7 @@
           <a:p>
             <a:fld id="{93CEFBB3-A51B-4364-855C-3CE345741057}" type="datetimeFigureOut">
               <a:rPr lang="en-US" smtClean="0"/>
-              <a:t>10/24/2018</a:t>
+              <a:t>10/31/2018</a:t>
             </a:fld>
             <a:endParaRPr lang="en-US"/>
           </a:p>
@@ -1234,7 +1240,7 @@
           <a:p>
             <a:fld id="{93CEFBB3-A51B-4364-855C-3CE345741057}" type="datetimeFigureOut">
               <a:rPr lang="en-US" smtClean="0"/>
-              <a:t>10/24/2018</a:t>
+              <a:t>10/31/2018</a:t>
             </a:fld>
             <a:endParaRPr lang="en-US"/>
           </a:p>
@@ -1601,7 +1607,7 @@
           <a:p>
             <a:fld id="{93CEFBB3-A51B-4364-855C-3CE345741057}" type="datetimeFigureOut">
               <a:rPr lang="en-US" smtClean="0"/>
-              <a:t>10/24/2018</a:t>
+              <a:t>10/31/2018</a:t>
             </a:fld>
             <a:endParaRPr lang="en-US"/>
           </a:p>
@@ -1719,7 +1725,7 @@
           <a:p>
             <a:fld id="{93CEFBB3-A51B-4364-855C-3CE345741057}" type="datetimeFigureOut">
               <a:rPr lang="en-US" smtClean="0"/>
-              <a:t>10/24/2018</a:t>
+              <a:t>10/31/2018</a:t>
             </a:fld>
             <a:endParaRPr lang="en-US"/>
           </a:p>
@@ -1814,7 +1820,7 @@
           <a:p>
             <a:fld id="{93CEFBB3-A51B-4364-855C-3CE345741057}" type="datetimeFigureOut">
               <a:rPr lang="en-US" smtClean="0"/>
-              <a:t>10/24/2018</a:t>
+              <a:t>10/31/2018</a:t>
             </a:fld>
             <a:endParaRPr lang="en-US"/>
           </a:p>
@@ -2091,7 +2097,7 @@
           <a:p>
             <a:fld id="{93CEFBB3-A51B-4364-855C-3CE345741057}" type="datetimeFigureOut">
               <a:rPr lang="en-US" smtClean="0"/>
-              <a:t>10/24/2018</a:t>
+              <a:t>10/31/2018</a:t>
             </a:fld>
             <a:endParaRPr lang="en-US"/>
           </a:p>
@@ -2348,7 +2354,7 @@
           <a:p>
             <a:fld id="{93CEFBB3-A51B-4364-855C-3CE345741057}" type="datetimeFigureOut">
               <a:rPr lang="en-US" smtClean="0"/>
-              <a:t>10/24/2018</a:t>
+              <a:t>10/31/2018</a:t>
             </a:fld>
             <a:endParaRPr lang="en-US"/>
           </a:p>
@@ -2561,7 +2567,7 @@
           <a:p>
             <a:fld id="{93CEFBB3-A51B-4364-855C-3CE345741057}" type="datetimeFigureOut">
               <a:rPr lang="en-US" smtClean="0"/>
-              <a:t>10/24/2018</a:t>
+              <a:t>10/31/2018</a:t>
             </a:fld>
             <a:endParaRPr lang="en-US"/>
           </a:p>
@@ -4125,6 +4131,2813 @@
 </p:sld>
 </file>
 
+<file path=ppt/slides/slide2.xml><?xml version="1.0" encoding="utf-8"?>
+<p:sld xmlns:a="http://schemas.openxmlformats.org/drawingml/2006/main" xmlns:r="http://schemas.openxmlformats.org/officeDocument/2006/relationships" xmlns:p="http://schemas.openxmlformats.org/presentationml/2006/main">
+  <p:cSld>
+    <p:spTree>
+      <p:nvGrpSpPr>
+        <p:cNvPr id="1" name=""/>
+        <p:cNvGrpSpPr/>
+        <p:nvPr/>
+      </p:nvGrpSpPr>
+      <p:grpSpPr>
+        <a:xfrm>
+          <a:off x="0" y="0"/>
+          <a:ext cx="0" cy="0"/>
+          <a:chOff x="0" y="0"/>
+          <a:chExt cx="0" cy="0"/>
+        </a:xfrm>
+      </p:grpSpPr>
+      <p:cxnSp>
+        <p:nvCxnSpPr>
+          <p:cNvPr id="55" name="Straight Arrow Connector 54">
+            <a:extLst>
+              <a:ext uri="{FF2B5EF4-FFF2-40B4-BE49-F238E27FC236}">
+                <a16:creationId xmlns:a16="http://schemas.microsoft.com/office/drawing/2014/main" id="{3021391B-DDFC-4676-9E92-2EF96CCE4FCB}"/>
+              </a:ext>
+            </a:extLst>
+          </p:cNvPr>
+          <p:cNvCxnSpPr/>
+          <p:nvPr/>
+        </p:nvCxnSpPr>
+        <p:spPr>
+          <a:xfrm>
+            <a:off x="2977969" y="2702370"/>
+            <a:ext cx="1836774" cy="0"/>
+          </a:xfrm>
+          <a:prstGeom prst="straightConnector1">
+            <a:avLst/>
+          </a:prstGeom>
+          <a:ln>
+            <a:tailEnd type="none"/>
+          </a:ln>
+        </p:spPr>
+        <p:style>
+          <a:lnRef idx="1">
+            <a:schemeClr val="accent1"/>
+          </a:lnRef>
+          <a:fillRef idx="0">
+            <a:schemeClr val="accent1"/>
+          </a:fillRef>
+          <a:effectRef idx="0">
+            <a:schemeClr val="accent1"/>
+          </a:effectRef>
+          <a:fontRef idx="minor">
+            <a:schemeClr val="tx1"/>
+          </a:fontRef>
+        </p:style>
+      </p:cxnSp>
+      <p:sp>
+        <p:nvSpPr>
+          <p:cNvPr id="5" name="Cylinder 4">
+            <a:extLst>
+              <a:ext uri="{FF2B5EF4-FFF2-40B4-BE49-F238E27FC236}">
+                <a16:creationId xmlns:a16="http://schemas.microsoft.com/office/drawing/2014/main" id="{C531AFD7-438A-48F9-94DC-E4B68BF1B069}"/>
+              </a:ext>
+            </a:extLst>
+          </p:cNvPr>
+          <p:cNvSpPr/>
+          <p:nvPr/>
+        </p:nvSpPr>
+        <p:spPr>
+          <a:xfrm>
+            <a:off x="2290887" y="772626"/>
+            <a:ext cx="682752" cy="932434"/>
+          </a:xfrm>
+          <a:prstGeom prst="can">
+            <a:avLst/>
+          </a:prstGeom>
+          <a:solidFill>
+            <a:schemeClr val="bg1">
+              <a:lumMod val="75000"/>
+            </a:schemeClr>
+          </a:solidFill>
+        </p:spPr>
+        <p:style>
+          <a:lnRef idx="2">
+            <a:schemeClr val="accent1">
+              <a:shade val="50000"/>
+            </a:schemeClr>
+          </a:lnRef>
+          <a:fillRef idx="1">
+            <a:schemeClr val="accent1"/>
+          </a:fillRef>
+          <a:effectRef idx="0">
+            <a:schemeClr val="accent1"/>
+          </a:effectRef>
+          <a:fontRef idx="minor">
+            <a:schemeClr val="lt1"/>
+          </a:fontRef>
+        </p:style>
+        <p:txBody>
+          <a:bodyPr rtlCol="0" anchor="ctr"/>
+          <a:lstStyle/>
+          <a:p>
+            <a:pPr algn="ctr"/>
+            <a:endParaRPr lang="en-US"/>
+          </a:p>
+        </p:txBody>
+      </p:sp>
+      <p:sp>
+        <p:nvSpPr>
+          <p:cNvPr id="6" name="TextBox 5">
+            <a:extLst>
+              <a:ext uri="{FF2B5EF4-FFF2-40B4-BE49-F238E27FC236}">
+                <a16:creationId xmlns:a16="http://schemas.microsoft.com/office/drawing/2014/main" id="{4C9DACDF-5116-4336-828B-1BE338C7B32E}"/>
+              </a:ext>
+            </a:extLst>
+          </p:cNvPr>
+          <p:cNvSpPr txBox="1"/>
+          <p:nvPr/>
+        </p:nvSpPr>
+        <p:spPr>
+          <a:xfrm>
+            <a:off x="2398549" y="1654260"/>
+            <a:ext cx="505267" cy="261610"/>
+          </a:xfrm>
+          <a:prstGeom prst="rect">
+            <a:avLst/>
+          </a:prstGeom>
+          <a:noFill/>
+        </p:spPr>
+        <p:txBody>
+          <a:bodyPr wrap="none" rtlCol="0">
+            <a:spAutoFit/>
+          </a:bodyPr>
+          <a:lstStyle/>
+          <a:p>
+            <a:pPr algn="ctr"/>
+            <a:r>
+              <a:rPr lang="en-US" sz="1100" b="1" dirty="0">
+                <a:solidFill>
+                  <a:srgbClr val="0070C0"/>
+                </a:solidFill>
+              </a:rPr>
+              <a:t>REPO</a:t>
+            </a:r>
+          </a:p>
+        </p:txBody>
+      </p:sp>
+      <p:sp>
+        <p:nvSpPr>
+          <p:cNvPr id="11" name="Flowchart: Document 10">
+            <a:extLst>
+              <a:ext uri="{FF2B5EF4-FFF2-40B4-BE49-F238E27FC236}">
+                <a16:creationId xmlns:a16="http://schemas.microsoft.com/office/drawing/2014/main" id="{23137F88-F740-41B7-916D-DF39E798EBAA}"/>
+              </a:ext>
+            </a:extLst>
+          </p:cNvPr>
+          <p:cNvSpPr/>
+          <p:nvPr/>
+        </p:nvSpPr>
+        <p:spPr>
+          <a:xfrm>
+            <a:off x="4990478" y="5380510"/>
+            <a:ext cx="865484" cy="724457"/>
+          </a:xfrm>
+          <a:prstGeom prst="flowChartDocument">
+            <a:avLst/>
+          </a:prstGeom>
+          <a:solidFill>
+            <a:schemeClr val="tx2">
+              <a:lumMod val="20000"/>
+              <a:lumOff val="80000"/>
+            </a:schemeClr>
+          </a:solidFill>
+        </p:spPr>
+        <p:style>
+          <a:lnRef idx="2">
+            <a:schemeClr val="accent1">
+              <a:shade val="50000"/>
+            </a:schemeClr>
+          </a:lnRef>
+          <a:fillRef idx="1">
+            <a:schemeClr val="accent1"/>
+          </a:fillRef>
+          <a:effectRef idx="0">
+            <a:schemeClr val="accent1"/>
+          </a:effectRef>
+          <a:fontRef idx="minor">
+            <a:schemeClr val="lt1"/>
+          </a:fontRef>
+        </p:style>
+        <p:txBody>
+          <a:bodyPr rtlCol="0" anchor="ctr"/>
+          <a:lstStyle/>
+          <a:p>
+            <a:pPr algn="ctr"/>
+            <a:endParaRPr lang="en-US"/>
+          </a:p>
+        </p:txBody>
+      </p:sp>
+      <p:sp>
+        <p:nvSpPr>
+          <p:cNvPr id="12" name="TextBox 11">
+            <a:extLst>
+              <a:ext uri="{FF2B5EF4-FFF2-40B4-BE49-F238E27FC236}">
+                <a16:creationId xmlns:a16="http://schemas.microsoft.com/office/drawing/2014/main" id="{8104F789-F567-430E-A815-32C1C1CBBEE2}"/>
+              </a:ext>
+            </a:extLst>
+          </p:cNvPr>
+          <p:cNvSpPr txBox="1"/>
+          <p:nvPr/>
+        </p:nvSpPr>
+        <p:spPr>
+          <a:xfrm>
+            <a:off x="5104812" y="5646964"/>
+            <a:ext cx="660758" cy="230832"/>
+          </a:xfrm>
+          <a:prstGeom prst="rect">
+            <a:avLst/>
+          </a:prstGeom>
+          <a:noFill/>
+        </p:spPr>
+        <p:txBody>
+          <a:bodyPr wrap="none" rtlCol="0">
+            <a:spAutoFit/>
+          </a:bodyPr>
+          <a:lstStyle/>
+          <a:p>
+            <a:r>
+              <a:rPr lang="en-US" sz="900" b="1" dirty="0"/>
+              <a:t>Cloud Net</a:t>
+            </a:r>
+          </a:p>
+        </p:txBody>
+      </p:sp>
+      <p:sp>
+        <p:nvSpPr>
+          <p:cNvPr id="13" name="TextBox 12">
+            <a:extLst>
+              <a:ext uri="{FF2B5EF4-FFF2-40B4-BE49-F238E27FC236}">
+                <a16:creationId xmlns:a16="http://schemas.microsoft.com/office/drawing/2014/main" id="{2135F03E-91ED-48D1-A934-03218459B86E}"/>
+              </a:ext>
+            </a:extLst>
+          </p:cNvPr>
+          <p:cNvSpPr txBox="1"/>
+          <p:nvPr/>
+        </p:nvSpPr>
+        <p:spPr>
+          <a:xfrm rot="16200000">
+            <a:off x="2559678" y="1172336"/>
+            <a:ext cx="679994" cy="246221"/>
+          </a:xfrm>
+          <a:prstGeom prst="rect">
+            <a:avLst/>
+          </a:prstGeom>
+          <a:noFill/>
+        </p:spPr>
+        <p:txBody>
+          <a:bodyPr wrap="none" rtlCol="0">
+            <a:spAutoFit/>
+          </a:bodyPr>
+          <a:lstStyle/>
+          <a:p>
+            <a:r>
+              <a:rPr lang="en-US" sz="1000" b="1" dirty="0"/>
+              <a:t>GENERAL</a:t>
+            </a:r>
+          </a:p>
+        </p:txBody>
+      </p:sp>
+      <p:pic>
+        <p:nvPicPr>
+          <p:cNvPr id="4" name="Picture 3">
+            <a:extLst>
+              <a:ext uri="{FF2B5EF4-FFF2-40B4-BE49-F238E27FC236}">
+                <a16:creationId xmlns:a16="http://schemas.microsoft.com/office/drawing/2014/main" id="{D61EB7B0-C3E2-434F-AB5C-3AAACEF884B4}"/>
+              </a:ext>
+            </a:extLst>
+          </p:cNvPr>
+          <p:cNvPicPr>
+            <a:picLocks noChangeAspect="1"/>
+          </p:cNvPicPr>
+          <p:nvPr/>
+        </p:nvPicPr>
+        <p:blipFill>
+          <a:blip r:embed="rId2"/>
+          <a:stretch>
+            <a:fillRect/>
+          </a:stretch>
+        </p:blipFill>
+        <p:spPr>
+          <a:xfrm>
+            <a:off x="1937933" y="1173260"/>
+            <a:ext cx="847619" cy="200000"/>
+          </a:xfrm>
+          <a:prstGeom prst="rect">
+            <a:avLst/>
+          </a:prstGeom>
+        </p:spPr>
+      </p:pic>
+      <p:sp>
+        <p:nvSpPr>
+          <p:cNvPr id="14" name="Cylinder 13">
+            <a:extLst>
+              <a:ext uri="{FF2B5EF4-FFF2-40B4-BE49-F238E27FC236}">
+                <a16:creationId xmlns:a16="http://schemas.microsoft.com/office/drawing/2014/main" id="{C94EA2EF-0828-44EF-B2B8-0E47E54FDE15}"/>
+              </a:ext>
+            </a:extLst>
+          </p:cNvPr>
+          <p:cNvSpPr/>
+          <p:nvPr/>
+        </p:nvSpPr>
+        <p:spPr>
+          <a:xfrm>
+            <a:off x="2290887" y="2214919"/>
+            <a:ext cx="682752" cy="932434"/>
+          </a:xfrm>
+          <a:prstGeom prst="can">
+            <a:avLst/>
+          </a:prstGeom>
+          <a:solidFill>
+            <a:schemeClr val="bg1">
+              <a:lumMod val="75000"/>
+            </a:schemeClr>
+          </a:solidFill>
+        </p:spPr>
+        <p:style>
+          <a:lnRef idx="2">
+            <a:schemeClr val="accent1">
+              <a:shade val="50000"/>
+            </a:schemeClr>
+          </a:lnRef>
+          <a:fillRef idx="1">
+            <a:schemeClr val="accent1"/>
+          </a:fillRef>
+          <a:effectRef idx="0">
+            <a:schemeClr val="accent1"/>
+          </a:effectRef>
+          <a:fontRef idx="minor">
+            <a:schemeClr val="lt1"/>
+          </a:fontRef>
+        </p:style>
+        <p:txBody>
+          <a:bodyPr rtlCol="0" anchor="ctr"/>
+          <a:lstStyle/>
+          <a:p>
+            <a:pPr algn="ctr"/>
+            <a:endParaRPr lang="en-US"/>
+          </a:p>
+        </p:txBody>
+      </p:sp>
+      <p:sp>
+        <p:nvSpPr>
+          <p:cNvPr id="15" name="TextBox 14">
+            <a:extLst>
+              <a:ext uri="{FF2B5EF4-FFF2-40B4-BE49-F238E27FC236}">
+                <a16:creationId xmlns:a16="http://schemas.microsoft.com/office/drawing/2014/main" id="{266C836B-7558-4C7C-A131-EC3AC453789E}"/>
+              </a:ext>
+            </a:extLst>
+          </p:cNvPr>
+          <p:cNvSpPr txBox="1"/>
+          <p:nvPr/>
+        </p:nvSpPr>
+        <p:spPr>
+          <a:xfrm>
+            <a:off x="2398548" y="3096553"/>
+            <a:ext cx="505267" cy="261610"/>
+          </a:xfrm>
+          <a:prstGeom prst="rect">
+            <a:avLst/>
+          </a:prstGeom>
+          <a:noFill/>
+        </p:spPr>
+        <p:txBody>
+          <a:bodyPr wrap="none" rtlCol="0">
+            <a:spAutoFit/>
+          </a:bodyPr>
+          <a:lstStyle/>
+          <a:p>
+            <a:pPr algn="ctr"/>
+            <a:r>
+              <a:rPr lang="en-US" sz="1100" b="1" dirty="0">
+                <a:solidFill>
+                  <a:srgbClr val="0070C0"/>
+                </a:solidFill>
+              </a:rPr>
+              <a:t>REPO</a:t>
+            </a:r>
+          </a:p>
+        </p:txBody>
+      </p:sp>
+      <p:sp>
+        <p:nvSpPr>
+          <p:cNvPr id="16" name="TextBox 15">
+            <a:extLst>
+              <a:ext uri="{FF2B5EF4-FFF2-40B4-BE49-F238E27FC236}">
+                <a16:creationId xmlns:a16="http://schemas.microsoft.com/office/drawing/2014/main" id="{20CFADBB-AC30-42E6-A57A-044AAF88C2BE}"/>
+              </a:ext>
+            </a:extLst>
+          </p:cNvPr>
+          <p:cNvSpPr txBox="1"/>
+          <p:nvPr/>
+        </p:nvSpPr>
+        <p:spPr>
+          <a:xfrm rot="16200000">
+            <a:off x="2559678" y="2614629"/>
+            <a:ext cx="679994" cy="246221"/>
+          </a:xfrm>
+          <a:prstGeom prst="rect">
+            <a:avLst/>
+          </a:prstGeom>
+          <a:noFill/>
+        </p:spPr>
+        <p:txBody>
+          <a:bodyPr wrap="none" rtlCol="0">
+            <a:spAutoFit/>
+          </a:bodyPr>
+          <a:lstStyle/>
+          <a:p>
+            <a:r>
+              <a:rPr lang="en-US" sz="1000" b="1" dirty="0"/>
+              <a:t>GENERAL</a:t>
+            </a:r>
+          </a:p>
+        </p:txBody>
+      </p:sp>
+      <p:pic>
+        <p:nvPicPr>
+          <p:cNvPr id="17" name="Picture 16">
+            <a:extLst>
+              <a:ext uri="{FF2B5EF4-FFF2-40B4-BE49-F238E27FC236}">
+                <a16:creationId xmlns:a16="http://schemas.microsoft.com/office/drawing/2014/main" id="{63A3DF60-9088-43E5-BAF3-B63E5175ECFC}"/>
+              </a:ext>
+            </a:extLst>
+          </p:cNvPr>
+          <p:cNvPicPr>
+            <a:picLocks noChangeAspect="1"/>
+          </p:cNvPicPr>
+          <p:nvPr/>
+        </p:nvPicPr>
+        <p:blipFill>
+          <a:blip r:embed="rId2"/>
+          <a:stretch>
+            <a:fillRect/>
+          </a:stretch>
+        </p:blipFill>
+        <p:spPr>
+          <a:xfrm>
+            <a:off x="1937933" y="2615553"/>
+            <a:ext cx="847619" cy="200000"/>
+          </a:xfrm>
+          <a:prstGeom prst="rect">
+            <a:avLst/>
+          </a:prstGeom>
+        </p:spPr>
+      </p:pic>
+      <p:pic>
+        <p:nvPicPr>
+          <p:cNvPr id="2" name="Picture 1">
+            <a:extLst>
+              <a:ext uri="{FF2B5EF4-FFF2-40B4-BE49-F238E27FC236}">
+                <a16:creationId xmlns:a16="http://schemas.microsoft.com/office/drawing/2014/main" id="{9CA86E18-0CEC-43BD-8041-183446B05C61}"/>
+              </a:ext>
+            </a:extLst>
+          </p:cNvPr>
+          <p:cNvPicPr>
+            <a:picLocks noChangeAspect="1"/>
+          </p:cNvPicPr>
+          <p:nvPr/>
+        </p:nvPicPr>
+        <p:blipFill>
+          <a:blip r:embed="rId3"/>
+          <a:stretch>
+            <a:fillRect/>
+          </a:stretch>
+        </p:blipFill>
+        <p:spPr>
+          <a:xfrm>
+            <a:off x="1940055" y="2404530"/>
+            <a:ext cx="571429" cy="190476"/>
+          </a:xfrm>
+          <a:prstGeom prst="rect">
+            <a:avLst/>
+          </a:prstGeom>
+        </p:spPr>
+      </p:pic>
+      <p:sp>
+        <p:nvSpPr>
+          <p:cNvPr id="18" name="Cylinder 17">
+            <a:extLst>
+              <a:ext uri="{FF2B5EF4-FFF2-40B4-BE49-F238E27FC236}">
+                <a16:creationId xmlns:a16="http://schemas.microsoft.com/office/drawing/2014/main" id="{CCC958E3-9D24-4A33-97AC-830A939FE636}"/>
+              </a:ext>
+            </a:extLst>
+          </p:cNvPr>
+          <p:cNvSpPr/>
+          <p:nvPr/>
+        </p:nvSpPr>
+        <p:spPr>
+          <a:xfrm>
+            <a:off x="2290887" y="3738919"/>
+            <a:ext cx="682752" cy="932434"/>
+          </a:xfrm>
+          <a:prstGeom prst="can">
+            <a:avLst/>
+          </a:prstGeom>
+          <a:solidFill>
+            <a:schemeClr val="bg1">
+              <a:lumMod val="75000"/>
+            </a:schemeClr>
+          </a:solidFill>
+        </p:spPr>
+        <p:style>
+          <a:lnRef idx="2">
+            <a:schemeClr val="accent1">
+              <a:shade val="50000"/>
+            </a:schemeClr>
+          </a:lnRef>
+          <a:fillRef idx="1">
+            <a:schemeClr val="accent1"/>
+          </a:fillRef>
+          <a:effectRef idx="0">
+            <a:schemeClr val="accent1"/>
+          </a:effectRef>
+          <a:fontRef idx="minor">
+            <a:schemeClr val="lt1"/>
+          </a:fontRef>
+        </p:style>
+        <p:txBody>
+          <a:bodyPr rtlCol="0" anchor="ctr"/>
+          <a:lstStyle/>
+          <a:p>
+            <a:pPr algn="ctr"/>
+            <a:endParaRPr lang="en-US"/>
+          </a:p>
+        </p:txBody>
+      </p:sp>
+      <p:sp>
+        <p:nvSpPr>
+          <p:cNvPr id="19" name="TextBox 18">
+            <a:extLst>
+              <a:ext uri="{FF2B5EF4-FFF2-40B4-BE49-F238E27FC236}">
+                <a16:creationId xmlns:a16="http://schemas.microsoft.com/office/drawing/2014/main" id="{1909C8B8-625F-4D28-8EA3-696FF97FCCAA}"/>
+              </a:ext>
+            </a:extLst>
+          </p:cNvPr>
+          <p:cNvSpPr txBox="1"/>
+          <p:nvPr/>
+        </p:nvSpPr>
+        <p:spPr>
+          <a:xfrm>
+            <a:off x="2398548" y="4620553"/>
+            <a:ext cx="505267" cy="261610"/>
+          </a:xfrm>
+          <a:prstGeom prst="rect">
+            <a:avLst/>
+          </a:prstGeom>
+          <a:noFill/>
+        </p:spPr>
+        <p:txBody>
+          <a:bodyPr wrap="none" rtlCol="0">
+            <a:spAutoFit/>
+          </a:bodyPr>
+          <a:lstStyle/>
+          <a:p>
+            <a:pPr algn="ctr"/>
+            <a:r>
+              <a:rPr lang="en-US" sz="1100" b="1" dirty="0">
+                <a:solidFill>
+                  <a:srgbClr val="0070C0"/>
+                </a:solidFill>
+              </a:rPr>
+              <a:t>REPO</a:t>
+            </a:r>
+          </a:p>
+        </p:txBody>
+      </p:sp>
+      <p:sp>
+        <p:nvSpPr>
+          <p:cNvPr id="20" name="TextBox 19">
+            <a:extLst>
+              <a:ext uri="{FF2B5EF4-FFF2-40B4-BE49-F238E27FC236}">
+                <a16:creationId xmlns:a16="http://schemas.microsoft.com/office/drawing/2014/main" id="{04CC0BC7-1712-445E-8B26-FE7C781CAE61}"/>
+              </a:ext>
+            </a:extLst>
+          </p:cNvPr>
+          <p:cNvSpPr txBox="1"/>
+          <p:nvPr/>
+        </p:nvSpPr>
+        <p:spPr>
+          <a:xfrm rot="16200000">
+            <a:off x="2559678" y="4138629"/>
+            <a:ext cx="679994" cy="246221"/>
+          </a:xfrm>
+          <a:prstGeom prst="rect">
+            <a:avLst/>
+          </a:prstGeom>
+          <a:noFill/>
+        </p:spPr>
+        <p:txBody>
+          <a:bodyPr wrap="none" rtlCol="0">
+            <a:spAutoFit/>
+          </a:bodyPr>
+          <a:lstStyle/>
+          <a:p>
+            <a:r>
+              <a:rPr lang="en-US" sz="1000" b="1" dirty="0"/>
+              <a:t>GENERAL</a:t>
+            </a:r>
+          </a:p>
+        </p:txBody>
+      </p:sp>
+      <p:pic>
+        <p:nvPicPr>
+          <p:cNvPr id="21" name="Picture 20">
+            <a:extLst>
+              <a:ext uri="{FF2B5EF4-FFF2-40B4-BE49-F238E27FC236}">
+                <a16:creationId xmlns:a16="http://schemas.microsoft.com/office/drawing/2014/main" id="{B9251A3C-B0B1-4547-B62F-221659DA666B}"/>
+              </a:ext>
+            </a:extLst>
+          </p:cNvPr>
+          <p:cNvPicPr>
+            <a:picLocks noChangeAspect="1"/>
+          </p:cNvPicPr>
+          <p:nvPr/>
+        </p:nvPicPr>
+        <p:blipFill>
+          <a:blip r:embed="rId2"/>
+          <a:stretch>
+            <a:fillRect/>
+          </a:stretch>
+        </p:blipFill>
+        <p:spPr>
+          <a:xfrm>
+            <a:off x="1937933" y="4139553"/>
+            <a:ext cx="847619" cy="200000"/>
+          </a:xfrm>
+          <a:prstGeom prst="rect">
+            <a:avLst/>
+          </a:prstGeom>
+        </p:spPr>
+      </p:pic>
+      <p:pic>
+        <p:nvPicPr>
+          <p:cNvPr id="22" name="Picture 21">
+            <a:extLst>
+              <a:ext uri="{FF2B5EF4-FFF2-40B4-BE49-F238E27FC236}">
+                <a16:creationId xmlns:a16="http://schemas.microsoft.com/office/drawing/2014/main" id="{EBB05A8A-CBF8-441B-BE73-E1BB00008BB8}"/>
+              </a:ext>
+            </a:extLst>
+          </p:cNvPr>
+          <p:cNvPicPr>
+            <a:picLocks noChangeAspect="1"/>
+          </p:cNvPicPr>
+          <p:nvPr/>
+        </p:nvPicPr>
+        <p:blipFill>
+          <a:blip r:embed="rId3"/>
+          <a:stretch>
+            <a:fillRect/>
+          </a:stretch>
+        </p:blipFill>
+        <p:spPr>
+          <a:xfrm>
+            <a:off x="1940055" y="3928530"/>
+            <a:ext cx="571429" cy="190476"/>
+          </a:xfrm>
+          <a:prstGeom prst="rect">
+            <a:avLst/>
+          </a:prstGeom>
+        </p:spPr>
+      </p:pic>
+      <p:pic>
+        <p:nvPicPr>
+          <p:cNvPr id="3" name="Picture 2">
+            <a:extLst>
+              <a:ext uri="{FF2B5EF4-FFF2-40B4-BE49-F238E27FC236}">
+                <a16:creationId xmlns:a16="http://schemas.microsoft.com/office/drawing/2014/main" id="{95037706-AA49-4004-9598-C842F89DEDD0}"/>
+              </a:ext>
+            </a:extLst>
+          </p:cNvPr>
+          <p:cNvPicPr>
+            <a:picLocks noChangeAspect="1"/>
+          </p:cNvPicPr>
+          <p:nvPr/>
+        </p:nvPicPr>
+        <p:blipFill>
+          <a:blip r:embed="rId4"/>
+          <a:stretch>
+            <a:fillRect/>
+          </a:stretch>
+        </p:blipFill>
+        <p:spPr>
+          <a:xfrm>
+            <a:off x="1937933" y="4381627"/>
+            <a:ext cx="819048" cy="200000"/>
+          </a:xfrm>
+          <a:prstGeom prst="rect">
+            <a:avLst/>
+          </a:prstGeom>
+        </p:spPr>
+      </p:pic>
+      <p:sp>
+        <p:nvSpPr>
+          <p:cNvPr id="24" name="Flowchart: Document 23">
+            <a:extLst>
+              <a:ext uri="{FF2B5EF4-FFF2-40B4-BE49-F238E27FC236}">
+                <a16:creationId xmlns:a16="http://schemas.microsoft.com/office/drawing/2014/main" id="{5FD86E3F-CCF6-4B0A-A6DA-90B819C6ACB7}"/>
+              </a:ext>
+            </a:extLst>
+          </p:cNvPr>
+          <p:cNvSpPr/>
+          <p:nvPr/>
+        </p:nvSpPr>
+        <p:spPr>
+          <a:xfrm>
+            <a:off x="4997572" y="4522889"/>
+            <a:ext cx="466547" cy="390525"/>
+          </a:xfrm>
+          <a:prstGeom prst="flowChartDocument">
+            <a:avLst/>
+          </a:prstGeom>
+          <a:solidFill>
+            <a:schemeClr val="tx2">
+              <a:lumMod val="20000"/>
+              <a:lumOff val="80000"/>
+            </a:schemeClr>
+          </a:solidFill>
+        </p:spPr>
+        <p:style>
+          <a:lnRef idx="2">
+            <a:schemeClr val="accent1">
+              <a:shade val="50000"/>
+            </a:schemeClr>
+          </a:lnRef>
+          <a:fillRef idx="1">
+            <a:schemeClr val="accent1"/>
+          </a:fillRef>
+          <a:effectRef idx="0">
+            <a:schemeClr val="accent1"/>
+          </a:effectRef>
+          <a:fontRef idx="minor">
+            <a:schemeClr val="lt1"/>
+          </a:fontRef>
+        </p:style>
+        <p:txBody>
+          <a:bodyPr rtlCol="0" anchor="ctr"/>
+          <a:lstStyle/>
+          <a:p>
+            <a:pPr algn="ctr"/>
+            <a:endParaRPr lang="en-US"/>
+          </a:p>
+        </p:txBody>
+      </p:sp>
+      <p:sp>
+        <p:nvSpPr>
+          <p:cNvPr id="25" name="TextBox 24">
+            <a:extLst>
+              <a:ext uri="{FF2B5EF4-FFF2-40B4-BE49-F238E27FC236}">
+                <a16:creationId xmlns:a16="http://schemas.microsoft.com/office/drawing/2014/main" id="{A085A3AF-6279-4213-89E3-9F637F73AB02}"/>
+              </a:ext>
+            </a:extLst>
+          </p:cNvPr>
+          <p:cNvSpPr txBox="1"/>
+          <p:nvPr/>
+        </p:nvSpPr>
+        <p:spPr>
+          <a:xfrm>
+            <a:off x="4950867" y="4505982"/>
+            <a:ext cx="579005" cy="369332"/>
+          </a:xfrm>
+          <a:prstGeom prst="rect">
+            <a:avLst/>
+          </a:prstGeom>
+          <a:noFill/>
+        </p:spPr>
+        <p:txBody>
+          <a:bodyPr wrap="none" rtlCol="0">
+            <a:spAutoFit/>
+          </a:bodyPr>
+          <a:lstStyle/>
+          <a:p>
+            <a:pPr algn="ctr"/>
+            <a:r>
+              <a:rPr lang="en-US" sz="900" b="1" dirty="0"/>
+              <a:t>Cloud</a:t>
+            </a:r>
+          </a:p>
+          <a:p>
+            <a:pPr algn="ctr"/>
+            <a:r>
+              <a:rPr lang="en-US" sz="900" b="1" dirty="0"/>
+              <a:t>Connect</a:t>
+            </a:r>
+          </a:p>
+        </p:txBody>
+      </p:sp>
+      <p:sp>
+        <p:nvSpPr>
+          <p:cNvPr id="26" name="Flowchart: Document 25">
+            <a:extLst>
+              <a:ext uri="{FF2B5EF4-FFF2-40B4-BE49-F238E27FC236}">
+                <a16:creationId xmlns:a16="http://schemas.microsoft.com/office/drawing/2014/main" id="{1700023C-700A-4269-AA6E-DC22BDA50BD4}"/>
+              </a:ext>
+            </a:extLst>
+          </p:cNvPr>
+          <p:cNvSpPr/>
+          <p:nvPr/>
+        </p:nvSpPr>
+        <p:spPr>
+          <a:xfrm>
+            <a:off x="4748249" y="1060181"/>
+            <a:ext cx="466547" cy="390525"/>
+          </a:xfrm>
+          <a:prstGeom prst="flowChartDocument">
+            <a:avLst/>
+          </a:prstGeom>
+          <a:solidFill>
+            <a:schemeClr val="tx2">
+              <a:lumMod val="20000"/>
+              <a:lumOff val="80000"/>
+            </a:schemeClr>
+          </a:solidFill>
+        </p:spPr>
+        <p:style>
+          <a:lnRef idx="2">
+            <a:schemeClr val="accent1">
+              <a:shade val="50000"/>
+            </a:schemeClr>
+          </a:lnRef>
+          <a:fillRef idx="1">
+            <a:schemeClr val="accent1"/>
+          </a:fillRef>
+          <a:effectRef idx="0">
+            <a:schemeClr val="accent1"/>
+          </a:effectRef>
+          <a:fontRef idx="minor">
+            <a:schemeClr val="lt1"/>
+          </a:fontRef>
+        </p:style>
+        <p:txBody>
+          <a:bodyPr rtlCol="0" anchor="ctr"/>
+          <a:lstStyle/>
+          <a:p>
+            <a:pPr algn="ctr"/>
+            <a:endParaRPr lang="en-US"/>
+          </a:p>
+        </p:txBody>
+      </p:sp>
+      <p:sp>
+        <p:nvSpPr>
+          <p:cNvPr id="27" name="TextBox 26">
+            <a:extLst>
+              <a:ext uri="{FF2B5EF4-FFF2-40B4-BE49-F238E27FC236}">
+                <a16:creationId xmlns:a16="http://schemas.microsoft.com/office/drawing/2014/main" id="{ACD0E8EA-34F1-4F1E-950C-3FB5C4607A01}"/>
+              </a:ext>
+            </a:extLst>
+          </p:cNvPr>
+          <p:cNvSpPr txBox="1"/>
+          <p:nvPr/>
+        </p:nvSpPr>
+        <p:spPr>
+          <a:xfrm>
+            <a:off x="4678301" y="1043274"/>
+            <a:ext cx="625492" cy="369332"/>
+          </a:xfrm>
+          <a:prstGeom prst="rect">
+            <a:avLst/>
+          </a:prstGeom>
+          <a:noFill/>
+        </p:spPr>
+        <p:txBody>
+          <a:bodyPr wrap="none" rtlCol="0">
+            <a:spAutoFit/>
+          </a:bodyPr>
+          <a:lstStyle/>
+          <a:p>
+            <a:pPr algn="ctr"/>
+            <a:r>
+              <a:rPr lang="en-US" sz="900" b="1" dirty="0"/>
+              <a:t>Cloud</a:t>
+            </a:r>
+          </a:p>
+          <a:p>
+            <a:pPr algn="ctr"/>
+            <a:r>
+              <a:rPr lang="en-US" sz="900" b="1" dirty="0"/>
+              <a:t>Compute</a:t>
+            </a:r>
+          </a:p>
+        </p:txBody>
+      </p:sp>
+      <p:sp>
+        <p:nvSpPr>
+          <p:cNvPr id="28" name="Flowchart: Document 27">
+            <a:extLst>
+              <a:ext uri="{FF2B5EF4-FFF2-40B4-BE49-F238E27FC236}">
+                <a16:creationId xmlns:a16="http://schemas.microsoft.com/office/drawing/2014/main" id="{11CE2486-F1B7-4A08-ADEB-97E2A16C7E01}"/>
+              </a:ext>
+            </a:extLst>
+          </p:cNvPr>
+          <p:cNvSpPr/>
+          <p:nvPr/>
+        </p:nvSpPr>
+        <p:spPr>
+          <a:xfrm>
+            <a:off x="4988047" y="2733147"/>
+            <a:ext cx="466547" cy="390525"/>
+          </a:xfrm>
+          <a:prstGeom prst="flowChartDocument">
+            <a:avLst/>
+          </a:prstGeom>
+          <a:solidFill>
+            <a:schemeClr val="tx2">
+              <a:lumMod val="20000"/>
+              <a:lumOff val="80000"/>
+            </a:schemeClr>
+          </a:solidFill>
+        </p:spPr>
+        <p:style>
+          <a:lnRef idx="2">
+            <a:schemeClr val="accent1">
+              <a:shade val="50000"/>
+            </a:schemeClr>
+          </a:lnRef>
+          <a:fillRef idx="1">
+            <a:schemeClr val="accent1"/>
+          </a:fillRef>
+          <a:effectRef idx="0">
+            <a:schemeClr val="accent1"/>
+          </a:effectRef>
+          <a:fontRef idx="minor">
+            <a:schemeClr val="lt1"/>
+          </a:fontRef>
+        </p:style>
+        <p:txBody>
+          <a:bodyPr rtlCol="0" anchor="ctr"/>
+          <a:lstStyle/>
+          <a:p>
+            <a:pPr algn="ctr"/>
+            <a:endParaRPr lang="en-US"/>
+          </a:p>
+        </p:txBody>
+      </p:sp>
+      <p:sp>
+        <p:nvSpPr>
+          <p:cNvPr id="29" name="TextBox 28">
+            <a:extLst>
+              <a:ext uri="{FF2B5EF4-FFF2-40B4-BE49-F238E27FC236}">
+                <a16:creationId xmlns:a16="http://schemas.microsoft.com/office/drawing/2014/main" id="{34DC0A78-7762-4741-BE4C-9EE5589A5771}"/>
+              </a:ext>
+            </a:extLst>
+          </p:cNvPr>
+          <p:cNvSpPr txBox="1"/>
+          <p:nvPr/>
+        </p:nvSpPr>
+        <p:spPr>
+          <a:xfrm>
+            <a:off x="4999853" y="2716240"/>
+            <a:ext cx="461985" cy="369332"/>
+          </a:xfrm>
+          <a:prstGeom prst="rect">
+            <a:avLst/>
+          </a:prstGeom>
+          <a:noFill/>
+        </p:spPr>
+        <p:txBody>
+          <a:bodyPr wrap="none" rtlCol="0">
+            <a:spAutoFit/>
+          </a:bodyPr>
+          <a:lstStyle/>
+          <a:p>
+            <a:pPr algn="ctr"/>
+            <a:r>
+              <a:rPr lang="en-US" sz="900" b="1" dirty="0"/>
+              <a:t>Cloud</a:t>
+            </a:r>
+          </a:p>
+          <a:p>
+            <a:pPr algn="ctr"/>
+            <a:r>
+              <a:rPr lang="en-US" sz="900" b="1" dirty="0"/>
+              <a:t>Net</a:t>
+            </a:r>
+          </a:p>
+        </p:txBody>
+      </p:sp>
+      <p:sp>
+        <p:nvSpPr>
+          <p:cNvPr id="31" name="TextBox 30">
+            <a:extLst>
+              <a:ext uri="{FF2B5EF4-FFF2-40B4-BE49-F238E27FC236}">
+                <a16:creationId xmlns:a16="http://schemas.microsoft.com/office/drawing/2014/main" id="{79D1B5B2-81D7-4734-B7BE-7528FCA18466}"/>
+              </a:ext>
+            </a:extLst>
+          </p:cNvPr>
+          <p:cNvSpPr txBox="1"/>
+          <p:nvPr/>
+        </p:nvSpPr>
+        <p:spPr>
+          <a:xfrm>
+            <a:off x="4990478" y="5790212"/>
+            <a:ext cx="881973" cy="230832"/>
+          </a:xfrm>
+          <a:prstGeom prst="rect">
+            <a:avLst/>
+          </a:prstGeom>
+          <a:noFill/>
+        </p:spPr>
+        <p:txBody>
+          <a:bodyPr wrap="none" rtlCol="0">
+            <a:spAutoFit/>
+          </a:bodyPr>
+          <a:lstStyle/>
+          <a:p>
+            <a:pPr algn="ctr"/>
+            <a:r>
+              <a:rPr lang="en-US" sz="900" b="1" dirty="0"/>
+              <a:t>Cloud Connect</a:t>
+            </a:r>
+          </a:p>
+        </p:txBody>
+      </p:sp>
+      <p:sp>
+        <p:nvSpPr>
+          <p:cNvPr id="33" name="TextBox 32">
+            <a:extLst>
+              <a:ext uri="{FF2B5EF4-FFF2-40B4-BE49-F238E27FC236}">
+                <a16:creationId xmlns:a16="http://schemas.microsoft.com/office/drawing/2014/main" id="{D0CFF9BB-6AA6-4E6E-B13E-516FEB3A4197}"/>
+              </a:ext>
+            </a:extLst>
+          </p:cNvPr>
+          <p:cNvSpPr txBox="1"/>
+          <p:nvPr/>
+        </p:nvSpPr>
+        <p:spPr>
+          <a:xfrm>
+            <a:off x="4982233" y="5517506"/>
+            <a:ext cx="928460" cy="230832"/>
+          </a:xfrm>
+          <a:prstGeom prst="rect">
+            <a:avLst/>
+          </a:prstGeom>
+          <a:noFill/>
+        </p:spPr>
+        <p:txBody>
+          <a:bodyPr wrap="none" rtlCol="0">
+            <a:spAutoFit/>
+          </a:bodyPr>
+          <a:lstStyle/>
+          <a:p>
+            <a:pPr algn="ctr"/>
+            <a:r>
+              <a:rPr lang="en-US" sz="900" b="1" dirty="0"/>
+              <a:t>Cloud Compute</a:t>
+            </a:r>
+          </a:p>
+        </p:txBody>
+      </p:sp>
+      <p:sp>
+        <p:nvSpPr>
+          <p:cNvPr id="36" name="TextBox 35">
+            <a:extLst>
+              <a:ext uri="{FF2B5EF4-FFF2-40B4-BE49-F238E27FC236}">
+                <a16:creationId xmlns:a16="http://schemas.microsoft.com/office/drawing/2014/main" id="{7B7B4C82-4EA3-4B1F-A10B-BEC2A726AC28}"/>
+              </a:ext>
+            </a:extLst>
+          </p:cNvPr>
+          <p:cNvSpPr txBox="1"/>
+          <p:nvPr/>
+        </p:nvSpPr>
+        <p:spPr>
+          <a:xfrm>
+            <a:off x="5104812" y="5354550"/>
+            <a:ext cx="679994" cy="246221"/>
+          </a:xfrm>
+          <a:prstGeom prst="rect">
+            <a:avLst/>
+          </a:prstGeom>
+          <a:noFill/>
+        </p:spPr>
+        <p:txBody>
+          <a:bodyPr wrap="none" rtlCol="0">
+            <a:spAutoFit/>
+          </a:bodyPr>
+          <a:lstStyle/>
+          <a:p>
+            <a:r>
+              <a:rPr lang="en-US" sz="1000" b="1" dirty="0"/>
+              <a:t>GENERAL</a:t>
+            </a:r>
+          </a:p>
+        </p:txBody>
+      </p:sp>
+      <p:sp>
+        <p:nvSpPr>
+          <p:cNvPr id="37" name="Cylinder 36">
+            <a:extLst>
+              <a:ext uri="{FF2B5EF4-FFF2-40B4-BE49-F238E27FC236}">
+                <a16:creationId xmlns:a16="http://schemas.microsoft.com/office/drawing/2014/main" id="{5B18D3F8-2EBD-4621-9C16-EEE025EC9844}"/>
+              </a:ext>
+            </a:extLst>
+          </p:cNvPr>
+          <p:cNvSpPr/>
+          <p:nvPr/>
+        </p:nvSpPr>
+        <p:spPr>
+          <a:xfrm>
+            <a:off x="2290887" y="5243869"/>
+            <a:ext cx="682752" cy="932434"/>
+          </a:xfrm>
+          <a:prstGeom prst="can">
+            <a:avLst/>
+          </a:prstGeom>
+          <a:solidFill>
+            <a:schemeClr val="bg1">
+              <a:lumMod val="75000"/>
+            </a:schemeClr>
+          </a:solidFill>
+        </p:spPr>
+        <p:style>
+          <a:lnRef idx="2">
+            <a:schemeClr val="accent1">
+              <a:shade val="50000"/>
+            </a:schemeClr>
+          </a:lnRef>
+          <a:fillRef idx="1">
+            <a:schemeClr val="accent1"/>
+          </a:fillRef>
+          <a:effectRef idx="0">
+            <a:schemeClr val="accent1"/>
+          </a:effectRef>
+          <a:fontRef idx="minor">
+            <a:schemeClr val="lt1"/>
+          </a:fontRef>
+        </p:style>
+        <p:txBody>
+          <a:bodyPr rtlCol="0" anchor="ctr"/>
+          <a:lstStyle/>
+          <a:p>
+            <a:pPr algn="ctr"/>
+            <a:endParaRPr lang="en-US"/>
+          </a:p>
+        </p:txBody>
+      </p:sp>
+      <p:sp>
+        <p:nvSpPr>
+          <p:cNvPr id="38" name="TextBox 37">
+            <a:extLst>
+              <a:ext uri="{FF2B5EF4-FFF2-40B4-BE49-F238E27FC236}">
+                <a16:creationId xmlns:a16="http://schemas.microsoft.com/office/drawing/2014/main" id="{D8DB4D1F-21E1-4B88-98DD-1DCC91F46753}"/>
+              </a:ext>
+            </a:extLst>
+          </p:cNvPr>
+          <p:cNvSpPr txBox="1"/>
+          <p:nvPr/>
+        </p:nvSpPr>
+        <p:spPr>
+          <a:xfrm>
+            <a:off x="2398548" y="6125503"/>
+            <a:ext cx="505267" cy="261610"/>
+          </a:xfrm>
+          <a:prstGeom prst="rect">
+            <a:avLst/>
+          </a:prstGeom>
+          <a:noFill/>
+        </p:spPr>
+        <p:txBody>
+          <a:bodyPr wrap="none" rtlCol="0">
+            <a:spAutoFit/>
+          </a:bodyPr>
+          <a:lstStyle/>
+          <a:p>
+            <a:pPr algn="ctr"/>
+            <a:r>
+              <a:rPr lang="en-US" sz="1100" b="1" dirty="0">
+                <a:solidFill>
+                  <a:srgbClr val="0070C0"/>
+                </a:solidFill>
+              </a:rPr>
+              <a:t>REPO</a:t>
+            </a:r>
+          </a:p>
+        </p:txBody>
+      </p:sp>
+      <p:sp>
+        <p:nvSpPr>
+          <p:cNvPr id="39" name="TextBox 38">
+            <a:extLst>
+              <a:ext uri="{FF2B5EF4-FFF2-40B4-BE49-F238E27FC236}">
+                <a16:creationId xmlns:a16="http://schemas.microsoft.com/office/drawing/2014/main" id="{547A48DC-60C6-49ED-A3B2-9712028CB22C}"/>
+              </a:ext>
+            </a:extLst>
+          </p:cNvPr>
+          <p:cNvSpPr txBox="1"/>
+          <p:nvPr/>
+        </p:nvSpPr>
+        <p:spPr>
+          <a:xfrm rot="16200000">
+            <a:off x="2559678" y="5643579"/>
+            <a:ext cx="679994" cy="246221"/>
+          </a:xfrm>
+          <a:prstGeom prst="rect">
+            <a:avLst/>
+          </a:prstGeom>
+          <a:noFill/>
+        </p:spPr>
+        <p:txBody>
+          <a:bodyPr wrap="none" rtlCol="0">
+            <a:spAutoFit/>
+          </a:bodyPr>
+          <a:lstStyle/>
+          <a:p>
+            <a:r>
+              <a:rPr lang="en-US" sz="1000" b="1" dirty="0"/>
+              <a:t>GENERAL</a:t>
+            </a:r>
+          </a:p>
+        </p:txBody>
+      </p:sp>
+      <p:pic>
+        <p:nvPicPr>
+          <p:cNvPr id="40" name="Picture 39">
+            <a:extLst>
+              <a:ext uri="{FF2B5EF4-FFF2-40B4-BE49-F238E27FC236}">
+                <a16:creationId xmlns:a16="http://schemas.microsoft.com/office/drawing/2014/main" id="{F5E73C8D-C835-42B5-A960-963A1761C750}"/>
+              </a:ext>
+            </a:extLst>
+          </p:cNvPr>
+          <p:cNvPicPr>
+            <a:picLocks noChangeAspect="1"/>
+          </p:cNvPicPr>
+          <p:nvPr/>
+        </p:nvPicPr>
+        <p:blipFill>
+          <a:blip r:embed="rId2"/>
+          <a:stretch>
+            <a:fillRect/>
+          </a:stretch>
+        </p:blipFill>
+        <p:spPr>
+          <a:xfrm>
+            <a:off x="1937933" y="5644503"/>
+            <a:ext cx="847619" cy="200000"/>
+          </a:xfrm>
+          <a:prstGeom prst="rect">
+            <a:avLst/>
+          </a:prstGeom>
+        </p:spPr>
+      </p:pic>
+      <p:pic>
+        <p:nvPicPr>
+          <p:cNvPr id="41" name="Picture 40">
+            <a:extLst>
+              <a:ext uri="{FF2B5EF4-FFF2-40B4-BE49-F238E27FC236}">
+                <a16:creationId xmlns:a16="http://schemas.microsoft.com/office/drawing/2014/main" id="{69805AF2-D06D-46B8-B05B-38861CC5A04B}"/>
+              </a:ext>
+            </a:extLst>
+          </p:cNvPr>
+          <p:cNvPicPr>
+            <a:picLocks noChangeAspect="1"/>
+          </p:cNvPicPr>
+          <p:nvPr/>
+        </p:nvPicPr>
+        <p:blipFill>
+          <a:blip r:embed="rId3"/>
+          <a:stretch>
+            <a:fillRect/>
+          </a:stretch>
+        </p:blipFill>
+        <p:spPr>
+          <a:xfrm>
+            <a:off x="1940055" y="5433480"/>
+            <a:ext cx="571429" cy="190476"/>
+          </a:xfrm>
+          <a:prstGeom prst="rect">
+            <a:avLst/>
+          </a:prstGeom>
+        </p:spPr>
+      </p:pic>
+      <p:pic>
+        <p:nvPicPr>
+          <p:cNvPr id="42" name="Picture 41">
+            <a:extLst>
+              <a:ext uri="{FF2B5EF4-FFF2-40B4-BE49-F238E27FC236}">
+                <a16:creationId xmlns:a16="http://schemas.microsoft.com/office/drawing/2014/main" id="{CAE58022-26A6-4CB1-8D56-9FCA32446ABC}"/>
+              </a:ext>
+            </a:extLst>
+          </p:cNvPr>
+          <p:cNvPicPr>
+            <a:picLocks noChangeAspect="1"/>
+          </p:cNvPicPr>
+          <p:nvPr/>
+        </p:nvPicPr>
+        <p:blipFill>
+          <a:blip r:embed="rId4"/>
+          <a:stretch>
+            <a:fillRect/>
+          </a:stretch>
+        </p:blipFill>
+        <p:spPr>
+          <a:xfrm>
+            <a:off x="1937933" y="5886577"/>
+            <a:ext cx="819048" cy="200000"/>
+          </a:xfrm>
+          <a:prstGeom prst="rect">
+            <a:avLst/>
+          </a:prstGeom>
+        </p:spPr>
+      </p:pic>
+      <p:sp>
+        <p:nvSpPr>
+          <p:cNvPr id="43" name="TextBox 42">
+            <a:extLst>
+              <a:ext uri="{FF2B5EF4-FFF2-40B4-BE49-F238E27FC236}">
+                <a16:creationId xmlns:a16="http://schemas.microsoft.com/office/drawing/2014/main" id="{C2D1F233-3390-47E6-861C-184E6BDD7A70}"/>
+              </a:ext>
+            </a:extLst>
+          </p:cNvPr>
+          <p:cNvSpPr txBox="1"/>
+          <p:nvPr/>
+        </p:nvSpPr>
+        <p:spPr>
+          <a:xfrm>
+            <a:off x="2431409" y="740077"/>
+            <a:ext cx="439544" cy="246221"/>
+          </a:xfrm>
+          <a:prstGeom prst="rect">
+            <a:avLst/>
+          </a:prstGeom>
+          <a:noFill/>
+        </p:spPr>
+        <p:txBody>
+          <a:bodyPr wrap="none" rtlCol="0">
+            <a:spAutoFit/>
+          </a:bodyPr>
+          <a:lstStyle/>
+          <a:p>
+            <a:r>
+              <a:rPr lang="en-US" sz="1000" b="1" dirty="0"/>
+              <a:t>DITA</a:t>
+            </a:r>
+          </a:p>
+        </p:txBody>
+      </p:sp>
+      <p:sp>
+        <p:nvSpPr>
+          <p:cNvPr id="44" name="TextBox 43">
+            <a:extLst>
+              <a:ext uri="{FF2B5EF4-FFF2-40B4-BE49-F238E27FC236}">
+                <a16:creationId xmlns:a16="http://schemas.microsoft.com/office/drawing/2014/main" id="{9440AF79-D634-4409-8ADC-6D656AC2630D}"/>
+              </a:ext>
+            </a:extLst>
+          </p:cNvPr>
+          <p:cNvSpPr txBox="1"/>
+          <p:nvPr/>
+        </p:nvSpPr>
+        <p:spPr>
+          <a:xfrm>
+            <a:off x="2422772" y="2178565"/>
+            <a:ext cx="439544" cy="246221"/>
+          </a:xfrm>
+          <a:prstGeom prst="rect">
+            <a:avLst/>
+          </a:prstGeom>
+          <a:noFill/>
+        </p:spPr>
+        <p:txBody>
+          <a:bodyPr wrap="none" rtlCol="0">
+            <a:spAutoFit/>
+          </a:bodyPr>
+          <a:lstStyle/>
+          <a:p>
+            <a:r>
+              <a:rPr lang="en-US" sz="1000" b="1" dirty="0"/>
+              <a:t>DITA</a:t>
+            </a:r>
+          </a:p>
+        </p:txBody>
+      </p:sp>
+      <p:sp>
+        <p:nvSpPr>
+          <p:cNvPr id="45" name="TextBox 44">
+            <a:extLst>
+              <a:ext uri="{FF2B5EF4-FFF2-40B4-BE49-F238E27FC236}">
+                <a16:creationId xmlns:a16="http://schemas.microsoft.com/office/drawing/2014/main" id="{5937186A-BDFF-4836-BAD2-9C416B4FAE39}"/>
+              </a:ext>
+            </a:extLst>
+          </p:cNvPr>
+          <p:cNvSpPr txBox="1"/>
+          <p:nvPr/>
+        </p:nvSpPr>
+        <p:spPr>
+          <a:xfrm>
+            <a:off x="2440934" y="3702540"/>
+            <a:ext cx="439544" cy="246221"/>
+          </a:xfrm>
+          <a:prstGeom prst="rect">
+            <a:avLst/>
+          </a:prstGeom>
+          <a:noFill/>
+        </p:spPr>
+        <p:txBody>
+          <a:bodyPr wrap="none" rtlCol="0">
+            <a:spAutoFit/>
+          </a:bodyPr>
+          <a:lstStyle/>
+          <a:p>
+            <a:r>
+              <a:rPr lang="en-US" sz="1000" b="1" dirty="0"/>
+              <a:t>DITA</a:t>
+            </a:r>
+          </a:p>
+        </p:txBody>
+      </p:sp>
+      <p:sp>
+        <p:nvSpPr>
+          <p:cNvPr id="46" name="TextBox 45">
+            <a:extLst>
+              <a:ext uri="{FF2B5EF4-FFF2-40B4-BE49-F238E27FC236}">
+                <a16:creationId xmlns:a16="http://schemas.microsoft.com/office/drawing/2014/main" id="{F5670530-147B-44F7-A1E1-98FB4B76A7BC}"/>
+              </a:ext>
+            </a:extLst>
+          </p:cNvPr>
+          <p:cNvSpPr txBox="1"/>
+          <p:nvPr/>
+        </p:nvSpPr>
+        <p:spPr>
+          <a:xfrm>
+            <a:off x="2422772" y="5206309"/>
+            <a:ext cx="439544" cy="246221"/>
+          </a:xfrm>
+          <a:prstGeom prst="rect">
+            <a:avLst/>
+          </a:prstGeom>
+          <a:noFill/>
+        </p:spPr>
+        <p:txBody>
+          <a:bodyPr wrap="none" rtlCol="0">
+            <a:spAutoFit/>
+          </a:bodyPr>
+          <a:lstStyle/>
+          <a:p>
+            <a:r>
+              <a:rPr lang="en-US" sz="1000" b="1" dirty="0"/>
+              <a:t>DITA</a:t>
+            </a:r>
+          </a:p>
+        </p:txBody>
+      </p:sp>
+      <p:sp>
+        <p:nvSpPr>
+          <p:cNvPr id="49" name="Flowchart: Process 48">
+            <a:extLst>
+              <a:ext uri="{FF2B5EF4-FFF2-40B4-BE49-F238E27FC236}">
+                <a16:creationId xmlns:a16="http://schemas.microsoft.com/office/drawing/2014/main" id="{C2347DB7-607E-46A4-8E20-971E95598F2D}"/>
+              </a:ext>
+            </a:extLst>
+          </p:cNvPr>
+          <p:cNvSpPr/>
+          <p:nvPr/>
+        </p:nvSpPr>
+        <p:spPr>
+          <a:xfrm>
+            <a:off x="3105579" y="2597378"/>
+            <a:ext cx="682752" cy="246221"/>
+          </a:xfrm>
+          <a:prstGeom prst="flowChartProcess">
+            <a:avLst/>
+          </a:prstGeom>
+          <a:solidFill>
+            <a:schemeClr val="bg1">
+              <a:lumMod val="95000"/>
+            </a:schemeClr>
+          </a:solidFill>
+        </p:spPr>
+        <p:style>
+          <a:lnRef idx="2">
+            <a:schemeClr val="accent1">
+              <a:shade val="50000"/>
+            </a:schemeClr>
+          </a:lnRef>
+          <a:fillRef idx="1">
+            <a:schemeClr val="accent1"/>
+          </a:fillRef>
+          <a:effectRef idx="0">
+            <a:schemeClr val="accent1"/>
+          </a:effectRef>
+          <a:fontRef idx="minor">
+            <a:schemeClr val="lt1"/>
+          </a:fontRef>
+        </p:style>
+        <p:txBody>
+          <a:bodyPr rtlCol="0" anchor="ctr"/>
+          <a:lstStyle/>
+          <a:p>
+            <a:pPr algn="ctr"/>
+            <a:endParaRPr lang="en-US"/>
+          </a:p>
+        </p:txBody>
+      </p:sp>
+      <p:sp>
+        <p:nvSpPr>
+          <p:cNvPr id="50" name="TextBox 49">
+            <a:extLst>
+              <a:ext uri="{FF2B5EF4-FFF2-40B4-BE49-F238E27FC236}">
+                <a16:creationId xmlns:a16="http://schemas.microsoft.com/office/drawing/2014/main" id="{C73C67AF-7C29-429C-858C-6CD2F4428B17}"/>
+              </a:ext>
+            </a:extLst>
+          </p:cNvPr>
+          <p:cNvSpPr txBox="1"/>
+          <p:nvPr/>
+        </p:nvSpPr>
+        <p:spPr>
+          <a:xfrm>
+            <a:off x="3068964" y="2561951"/>
+            <a:ext cx="787396" cy="338554"/>
+          </a:xfrm>
+          <a:prstGeom prst="rect">
+            <a:avLst/>
+          </a:prstGeom>
+          <a:noFill/>
+        </p:spPr>
+        <p:txBody>
+          <a:bodyPr wrap="none" rtlCol="0">
+            <a:spAutoFit/>
+          </a:bodyPr>
+          <a:lstStyle/>
+          <a:p>
+            <a:pPr algn="ctr"/>
+            <a:r>
+              <a:rPr lang="en-US" sz="800" b="1" dirty="0"/>
+              <a:t>CONDITIONAL</a:t>
+            </a:r>
+            <a:br>
+              <a:rPr lang="en-US" sz="800" b="1" dirty="0"/>
+            </a:br>
+            <a:r>
+              <a:rPr lang="en-US" sz="800" b="1" dirty="0"/>
+              <a:t>FILTERING</a:t>
+            </a:r>
+          </a:p>
+        </p:txBody>
+      </p:sp>
+      <p:cxnSp>
+        <p:nvCxnSpPr>
+          <p:cNvPr id="54" name="Straight Arrow Connector 53">
+            <a:extLst>
+              <a:ext uri="{FF2B5EF4-FFF2-40B4-BE49-F238E27FC236}">
+                <a16:creationId xmlns:a16="http://schemas.microsoft.com/office/drawing/2014/main" id="{E1A037FD-B23C-4C55-A0A3-3B5544DB7D52}"/>
+              </a:ext>
+            </a:extLst>
+          </p:cNvPr>
+          <p:cNvCxnSpPr/>
+          <p:nvPr/>
+        </p:nvCxnSpPr>
+        <p:spPr>
+          <a:xfrm>
+            <a:off x="2945064" y="1277695"/>
+            <a:ext cx="1836774" cy="0"/>
+          </a:xfrm>
+          <a:prstGeom prst="straightConnector1">
+            <a:avLst/>
+          </a:prstGeom>
+          <a:ln>
+            <a:tailEnd type="triangle"/>
+          </a:ln>
+        </p:spPr>
+        <p:style>
+          <a:lnRef idx="1">
+            <a:schemeClr val="accent1"/>
+          </a:lnRef>
+          <a:fillRef idx="0">
+            <a:schemeClr val="accent1"/>
+          </a:fillRef>
+          <a:effectRef idx="0">
+            <a:schemeClr val="accent1"/>
+          </a:effectRef>
+          <a:fontRef idx="minor">
+            <a:schemeClr val="tx1"/>
+          </a:fontRef>
+        </p:style>
+      </p:cxnSp>
+      <p:sp>
+        <p:nvSpPr>
+          <p:cNvPr id="51" name="Flowchart: Process 50">
+            <a:extLst>
+              <a:ext uri="{FF2B5EF4-FFF2-40B4-BE49-F238E27FC236}">
+                <a16:creationId xmlns:a16="http://schemas.microsoft.com/office/drawing/2014/main" id="{6D9C5E5F-1B99-4CC3-92F4-C993306905DC}"/>
+              </a:ext>
+            </a:extLst>
+          </p:cNvPr>
+          <p:cNvSpPr/>
+          <p:nvPr/>
+        </p:nvSpPr>
+        <p:spPr>
+          <a:xfrm>
+            <a:off x="3914847" y="1172703"/>
+            <a:ext cx="682752" cy="246221"/>
+          </a:xfrm>
+          <a:prstGeom prst="flowChartProcess">
+            <a:avLst/>
+          </a:prstGeom>
+          <a:solidFill>
+            <a:schemeClr val="bg1">
+              <a:lumMod val="95000"/>
+            </a:schemeClr>
+          </a:solidFill>
+        </p:spPr>
+        <p:style>
+          <a:lnRef idx="2">
+            <a:schemeClr val="accent1">
+              <a:shade val="50000"/>
+            </a:schemeClr>
+          </a:lnRef>
+          <a:fillRef idx="1">
+            <a:schemeClr val="accent1"/>
+          </a:fillRef>
+          <a:effectRef idx="0">
+            <a:schemeClr val="accent1"/>
+          </a:effectRef>
+          <a:fontRef idx="minor">
+            <a:schemeClr val="lt1"/>
+          </a:fontRef>
+        </p:style>
+        <p:txBody>
+          <a:bodyPr rtlCol="0" anchor="ctr"/>
+          <a:lstStyle/>
+          <a:p>
+            <a:pPr algn="ctr"/>
+            <a:endParaRPr lang="en-US"/>
+          </a:p>
+        </p:txBody>
+      </p:sp>
+      <p:sp>
+        <p:nvSpPr>
+          <p:cNvPr id="52" name="TextBox 51">
+            <a:extLst>
+              <a:ext uri="{FF2B5EF4-FFF2-40B4-BE49-F238E27FC236}">
+                <a16:creationId xmlns:a16="http://schemas.microsoft.com/office/drawing/2014/main" id="{038059A1-6570-4A16-B744-FD87CBB3EB0B}"/>
+              </a:ext>
+            </a:extLst>
+          </p:cNvPr>
+          <p:cNvSpPr txBox="1"/>
+          <p:nvPr/>
+        </p:nvSpPr>
+        <p:spPr>
+          <a:xfrm>
+            <a:off x="4030704" y="1194426"/>
+            <a:ext cx="444352" cy="215444"/>
+          </a:xfrm>
+          <a:prstGeom prst="rect">
+            <a:avLst/>
+          </a:prstGeom>
+          <a:noFill/>
+        </p:spPr>
+        <p:txBody>
+          <a:bodyPr wrap="none" rtlCol="0">
+            <a:spAutoFit/>
+          </a:bodyPr>
+          <a:lstStyle/>
+          <a:p>
+            <a:pPr algn="ctr"/>
+            <a:r>
+              <a:rPr lang="en-US" sz="800" b="1" dirty="0"/>
+              <a:t>BUILD</a:t>
+            </a:r>
+          </a:p>
+        </p:txBody>
+      </p:sp>
+      <p:sp>
+        <p:nvSpPr>
+          <p:cNvPr id="56" name="Flowchart: Process 55">
+            <a:extLst>
+              <a:ext uri="{FF2B5EF4-FFF2-40B4-BE49-F238E27FC236}">
+                <a16:creationId xmlns:a16="http://schemas.microsoft.com/office/drawing/2014/main" id="{F95A8998-726C-487A-8C4E-505D2B82CBA3}"/>
+              </a:ext>
+            </a:extLst>
+          </p:cNvPr>
+          <p:cNvSpPr/>
+          <p:nvPr/>
+        </p:nvSpPr>
+        <p:spPr>
+          <a:xfrm>
+            <a:off x="3947752" y="2597378"/>
+            <a:ext cx="682752" cy="246221"/>
+          </a:xfrm>
+          <a:prstGeom prst="flowChartProcess">
+            <a:avLst/>
+          </a:prstGeom>
+          <a:solidFill>
+            <a:schemeClr val="bg1">
+              <a:lumMod val="95000"/>
+            </a:schemeClr>
+          </a:solidFill>
+        </p:spPr>
+        <p:style>
+          <a:lnRef idx="2">
+            <a:schemeClr val="accent1">
+              <a:shade val="50000"/>
+            </a:schemeClr>
+          </a:lnRef>
+          <a:fillRef idx="1">
+            <a:schemeClr val="accent1"/>
+          </a:fillRef>
+          <a:effectRef idx="0">
+            <a:schemeClr val="accent1"/>
+          </a:effectRef>
+          <a:fontRef idx="minor">
+            <a:schemeClr val="lt1"/>
+          </a:fontRef>
+        </p:style>
+        <p:txBody>
+          <a:bodyPr rtlCol="0" anchor="ctr"/>
+          <a:lstStyle/>
+          <a:p>
+            <a:pPr algn="ctr"/>
+            <a:endParaRPr lang="en-US"/>
+          </a:p>
+        </p:txBody>
+      </p:sp>
+      <p:sp>
+        <p:nvSpPr>
+          <p:cNvPr id="57" name="TextBox 56">
+            <a:extLst>
+              <a:ext uri="{FF2B5EF4-FFF2-40B4-BE49-F238E27FC236}">
+                <a16:creationId xmlns:a16="http://schemas.microsoft.com/office/drawing/2014/main" id="{E3410497-62E4-4E05-8F1D-0AAC8C039C3C}"/>
+              </a:ext>
+            </a:extLst>
+          </p:cNvPr>
+          <p:cNvSpPr txBox="1"/>
+          <p:nvPr/>
+        </p:nvSpPr>
+        <p:spPr>
+          <a:xfrm>
+            <a:off x="4063609" y="2619101"/>
+            <a:ext cx="444352" cy="215444"/>
+          </a:xfrm>
+          <a:prstGeom prst="rect">
+            <a:avLst/>
+          </a:prstGeom>
+          <a:noFill/>
+        </p:spPr>
+        <p:txBody>
+          <a:bodyPr wrap="none" rtlCol="0">
+            <a:spAutoFit/>
+          </a:bodyPr>
+          <a:lstStyle/>
+          <a:p>
+            <a:pPr algn="ctr"/>
+            <a:r>
+              <a:rPr lang="en-US" sz="800" b="1" dirty="0"/>
+              <a:t>BUILD</a:t>
+            </a:r>
+          </a:p>
+        </p:txBody>
+      </p:sp>
+      <p:cxnSp>
+        <p:nvCxnSpPr>
+          <p:cNvPr id="58" name="Straight Arrow Connector 57">
+            <a:extLst>
+              <a:ext uri="{FF2B5EF4-FFF2-40B4-BE49-F238E27FC236}">
+                <a16:creationId xmlns:a16="http://schemas.microsoft.com/office/drawing/2014/main" id="{4B811617-40CC-4D2F-BAC9-EE9F7F2A7B2B}"/>
+              </a:ext>
+            </a:extLst>
+          </p:cNvPr>
+          <p:cNvCxnSpPr>
+            <a:cxnSpLocks/>
+          </p:cNvCxnSpPr>
+          <p:nvPr/>
+        </p:nvCxnSpPr>
+        <p:spPr>
+          <a:xfrm>
+            <a:off x="4814815" y="2447368"/>
+            <a:ext cx="173232" cy="0"/>
+          </a:xfrm>
+          <a:prstGeom prst="straightConnector1">
+            <a:avLst/>
+          </a:prstGeom>
+          <a:ln>
+            <a:tailEnd type="triangle"/>
+          </a:ln>
+        </p:spPr>
+        <p:style>
+          <a:lnRef idx="1">
+            <a:schemeClr val="accent1"/>
+          </a:lnRef>
+          <a:fillRef idx="0">
+            <a:schemeClr val="accent1"/>
+          </a:fillRef>
+          <a:effectRef idx="0">
+            <a:schemeClr val="accent1"/>
+          </a:effectRef>
+          <a:fontRef idx="minor">
+            <a:schemeClr val="tx1"/>
+          </a:fontRef>
+        </p:style>
+      </p:cxnSp>
+      <p:cxnSp>
+        <p:nvCxnSpPr>
+          <p:cNvPr id="64" name="Straight Connector 63">
+            <a:extLst>
+              <a:ext uri="{FF2B5EF4-FFF2-40B4-BE49-F238E27FC236}">
+                <a16:creationId xmlns:a16="http://schemas.microsoft.com/office/drawing/2014/main" id="{52C7AAC3-6E63-40EB-9651-03BE8558CA78}"/>
+              </a:ext>
+            </a:extLst>
+          </p:cNvPr>
+          <p:cNvCxnSpPr/>
+          <p:nvPr/>
+        </p:nvCxnSpPr>
+        <p:spPr>
+          <a:xfrm>
+            <a:off x="4824340" y="2447368"/>
+            <a:ext cx="0" cy="519761"/>
+          </a:xfrm>
+          <a:prstGeom prst="line">
+            <a:avLst/>
+          </a:prstGeom>
+        </p:spPr>
+        <p:style>
+          <a:lnRef idx="1">
+            <a:schemeClr val="accent1"/>
+          </a:lnRef>
+          <a:fillRef idx="0">
+            <a:schemeClr val="accent1"/>
+          </a:fillRef>
+          <a:effectRef idx="0">
+            <a:schemeClr val="accent1"/>
+          </a:effectRef>
+          <a:fontRef idx="minor">
+            <a:schemeClr val="tx1"/>
+          </a:fontRef>
+        </p:style>
+      </p:cxnSp>
+      <p:cxnSp>
+        <p:nvCxnSpPr>
+          <p:cNvPr id="65" name="Straight Arrow Connector 64">
+            <a:extLst>
+              <a:ext uri="{FF2B5EF4-FFF2-40B4-BE49-F238E27FC236}">
+                <a16:creationId xmlns:a16="http://schemas.microsoft.com/office/drawing/2014/main" id="{1857FAAD-C590-4F05-8652-707E2C72D691}"/>
+              </a:ext>
+            </a:extLst>
+          </p:cNvPr>
+          <p:cNvCxnSpPr>
+            <a:cxnSpLocks/>
+          </p:cNvCxnSpPr>
+          <p:nvPr/>
+        </p:nvCxnSpPr>
+        <p:spPr>
+          <a:xfrm>
+            <a:off x="4824340" y="2961718"/>
+            <a:ext cx="173232" cy="0"/>
+          </a:xfrm>
+          <a:prstGeom prst="straightConnector1">
+            <a:avLst/>
+          </a:prstGeom>
+          <a:ln>
+            <a:tailEnd type="triangle"/>
+          </a:ln>
+        </p:spPr>
+        <p:style>
+          <a:lnRef idx="1">
+            <a:schemeClr val="accent1"/>
+          </a:lnRef>
+          <a:fillRef idx="0">
+            <a:schemeClr val="accent1"/>
+          </a:fillRef>
+          <a:effectRef idx="0">
+            <a:schemeClr val="accent1"/>
+          </a:effectRef>
+          <a:fontRef idx="minor">
+            <a:schemeClr val="tx1"/>
+          </a:fontRef>
+        </p:style>
+      </p:cxnSp>
+      <p:sp>
+        <p:nvSpPr>
+          <p:cNvPr id="66" name="Flowchart: Document 65">
+            <a:extLst>
+              <a:ext uri="{FF2B5EF4-FFF2-40B4-BE49-F238E27FC236}">
+                <a16:creationId xmlns:a16="http://schemas.microsoft.com/office/drawing/2014/main" id="{C37F4B28-0544-4CBA-A99F-A55367A754A7}"/>
+              </a:ext>
+            </a:extLst>
+          </p:cNvPr>
+          <p:cNvSpPr/>
+          <p:nvPr/>
+        </p:nvSpPr>
+        <p:spPr>
+          <a:xfrm>
+            <a:off x="4988047" y="2275046"/>
+            <a:ext cx="466547" cy="390525"/>
+          </a:xfrm>
+          <a:prstGeom prst="flowChartDocument">
+            <a:avLst/>
+          </a:prstGeom>
+          <a:solidFill>
+            <a:schemeClr val="tx2">
+              <a:lumMod val="20000"/>
+              <a:lumOff val="80000"/>
+            </a:schemeClr>
+          </a:solidFill>
+        </p:spPr>
+        <p:style>
+          <a:lnRef idx="2">
+            <a:schemeClr val="accent1">
+              <a:shade val="50000"/>
+            </a:schemeClr>
+          </a:lnRef>
+          <a:fillRef idx="1">
+            <a:schemeClr val="accent1"/>
+          </a:fillRef>
+          <a:effectRef idx="0">
+            <a:schemeClr val="accent1"/>
+          </a:effectRef>
+          <a:fontRef idx="minor">
+            <a:schemeClr val="lt1"/>
+          </a:fontRef>
+        </p:style>
+        <p:txBody>
+          <a:bodyPr rtlCol="0" anchor="ctr"/>
+          <a:lstStyle/>
+          <a:p>
+            <a:pPr algn="ctr"/>
+            <a:endParaRPr lang="en-US"/>
+          </a:p>
+        </p:txBody>
+      </p:sp>
+      <p:sp>
+        <p:nvSpPr>
+          <p:cNvPr id="67" name="TextBox 66">
+            <a:extLst>
+              <a:ext uri="{FF2B5EF4-FFF2-40B4-BE49-F238E27FC236}">
+                <a16:creationId xmlns:a16="http://schemas.microsoft.com/office/drawing/2014/main" id="{65F9B929-B335-472E-8B38-87E743B539B1}"/>
+              </a:ext>
+            </a:extLst>
+          </p:cNvPr>
+          <p:cNvSpPr txBox="1"/>
+          <p:nvPr/>
+        </p:nvSpPr>
+        <p:spPr>
+          <a:xfrm>
+            <a:off x="4918099" y="2258139"/>
+            <a:ext cx="625492" cy="369332"/>
+          </a:xfrm>
+          <a:prstGeom prst="rect">
+            <a:avLst/>
+          </a:prstGeom>
+          <a:noFill/>
+        </p:spPr>
+        <p:txBody>
+          <a:bodyPr wrap="none" rtlCol="0">
+            <a:spAutoFit/>
+          </a:bodyPr>
+          <a:lstStyle/>
+          <a:p>
+            <a:pPr algn="ctr"/>
+            <a:r>
+              <a:rPr lang="en-US" sz="900" b="1" dirty="0"/>
+              <a:t>Cloud</a:t>
+            </a:r>
+          </a:p>
+          <a:p>
+            <a:pPr algn="ctr"/>
+            <a:r>
+              <a:rPr lang="en-US" sz="900" b="1" dirty="0"/>
+              <a:t>Compute</a:t>
+            </a:r>
+          </a:p>
+        </p:txBody>
+      </p:sp>
+      <p:cxnSp>
+        <p:nvCxnSpPr>
+          <p:cNvPr id="68" name="Straight Arrow Connector 67">
+            <a:extLst>
+              <a:ext uri="{FF2B5EF4-FFF2-40B4-BE49-F238E27FC236}">
+                <a16:creationId xmlns:a16="http://schemas.microsoft.com/office/drawing/2014/main" id="{B6EBBD73-E75E-4C69-AB34-CAC02EA47BEB}"/>
+              </a:ext>
+            </a:extLst>
+          </p:cNvPr>
+          <p:cNvCxnSpPr/>
+          <p:nvPr/>
+        </p:nvCxnSpPr>
+        <p:spPr>
+          <a:xfrm>
+            <a:off x="2977969" y="4235895"/>
+            <a:ext cx="1836774" cy="0"/>
+          </a:xfrm>
+          <a:prstGeom prst="straightConnector1">
+            <a:avLst/>
+          </a:prstGeom>
+          <a:ln>
+            <a:tailEnd type="none"/>
+          </a:ln>
+        </p:spPr>
+        <p:style>
+          <a:lnRef idx="1">
+            <a:schemeClr val="accent1"/>
+          </a:lnRef>
+          <a:fillRef idx="0">
+            <a:schemeClr val="accent1"/>
+          </a:fillRef>
+          <a:effectRef idx="0">
+            <a:schemeClr val="accent1"/>
+          </a:effectRef>
+          <a:fontRef idx="minor">
+            <a:schemeClr val="tx1"/>
+          </a:fontRef>
+        </p:style>
+      </p:cxnSp>
+      <p:sp>
+        <p:nvSpPr>
+          <p:cNvPr id="69" name="Flowchart: Document 68">
+            <a:extLst>
+              <a:ext uri="{FF2B5EF4-FFF2-40B4-BE49-F238E27FC236}">
+                <a16:creationId xmlns:a16="http://schemas.microsoft.com/office/drawing/2014/main" id="{5DB43EF7-CBE4-4863-BEB1-7F9AEB42F357}"/>
+              </a:ext>
+            </a:extLst>
+          </p:cNvPr>
+          <p:cNvSpPr/>
+          <p:nvPr/>
+        </p:nvSpPr>
+        <p:spPr>
+          <a:xfrm>
+            <a:off x="4988047" y="4076172"/>
+            <a:ext cx="466547" cy="390525"/>
+          </a:xfrm>
+          <a:prstGeom prst="flowChartDocument">
+            <a:avLst/>
+          </a:prstGeom>
+          <a:solidFill>
+            <a:schemeClr val="tx2">
+              <a:lumMod val="20000"/>
+              <a:lumOff val="80000"/>
+            </a:schemeClr>
+          </a:solidFill>
+        </p:spPr>
+        <p:style>
+          <a:lnRef idx="2">
+            <a:schemeClr val="accent1">
+              <a:shade val="50000"/>
+            </a:schemeClr>
+          </a:lnRef>
+          <a:fillRef idx="1">
+            <a:schemeClr val="accent1"/>
+          </a:fillRef>
+          <a:effectRef idx="0">
+            <a:schemeClr val="accent1"/>
+          </a:effectRef>
+          <a:fontRef idx="minor">
+            <a:schemeClr val="lt1"/>
+          </a:fontRef>
+        </p:style>
+        <p:txBody>
+          <a:bodyPr rtlCol="0" anchor="ctr"/>
+          <a:lstStyle/>
+          <a:p>
+            <a:pPr algn="ctr"/>
+            <a:endParaRPr lang="en-US"/>
+          </a:p>
+        </p:txBody>
+      </p:sp>
+      <p:sp>
+        <p:nvSpPr>
+          <p:cNvPr id="70" name="TextBox 69">
+            <a:extLst>
+              <a:ext uri="{FF2B5EF4-FFF2-40B4-BE49-F238E27FC236}">
+                <a16:creationId xmlns:a16="http://schemas.microsoft.com/office/drawing/2014/main" id="{096EEDAC-18C0-4B78-9889-C694A27E9986}"/>
+              </a:ext>
+            </a:extLst>
+          </p:cNvPr>
+          <p:cNvSpPr txBox="1"/>
+          <p:nvPr/>
+        </p:nvSpPr>
+        <p:spPr>
+          <a:xfrm>
+            <a:off x="4999853" y="4059265"/>
+            <a:ext cx="461985" cy="369332"/>
+          </a:xfrm>
+          <a:prstGeom prst="rect">
+            <a:avLst/>
+          </a:prstGeom>
+          <a:noFill/>
+        </p:spPr>
+        <p:txBody>
+          <a:bodyPr wrap="none" rtlCol="0">
+            <a:spAutoFit/>
+          </a:bodyPr>
+          <a:lstStyle/>
+          <a:p>
+            <a:pPr algn="ctr"/>
+            <a:r>
+              <a:rPr lang="en-US" sz="900" b="1" dirty="0"/>
+              <a:t>Cloud</a:t>
+            </a:r>
+          </a:p>
+          <a:p>
+            <a:pPr algn="ctr"/>
+            <a:r>
+              <a:rPr lang="en-US" sz="900" b="1" dirty="0"/>
+              <a:t>Net</a:t>
+            </a:r>
+          </a:p>
+        </p:txBody>
+      </p:sp>
+      <p:sp>
+        <p:nvSpPr>
+          <p:cNvPr id="71" name="Flowchart: Process 70">
+            <a:extLst>
+              <a:ext uri="{FF2B5EF4-FFF2-40B4-BE49-F238E27FC236}">
+                <a16:creationId xmlns:a16="http://schemas.microsoft.com/office/drawing/2014/main" id="{888CE904-6B96-44D2-9507-797C6F585A78}"/>
+              </a:ext>
+            </a:extLst>
+          </p:cNvPr>
+          <p:cNvSpPr/>
+          <p:nvPr/>
+        </p:nvSpPr>
+        <p:spPr>
+          <a:xfrm>
+            <a:off x="3105579" y="4130903"/>
+            <a:ext cx="682752" cy="246221"/>
+          </a:xfrm>
+          <a:prstGeom prst="flowChartProcess">
+            <a:avLst/>
+          </a:prstGeom>
+          <a:solidFill>
+            <a:schemeClr val="bg1">
+              <a:lumMod val="95000"/>
+            </a:schemeClr>
+          </a:solidFill>
+        </p:spPr>
+        <p:style>
+          <a:lnRef idx="2">
+            <a:schemeClr val="accent1">
+              <a:shade val="50000"/>
+            </a:schemeClr>
+          </a:lnRef>
+          <a:fillRef idx="1">
+            <a:schemeClr val="accent1"/>
+          </a:fillRef>
+          <a:effectRef idx="0">
+            <a:schemeClr val="accent1"/>
+          </a:effectRef>
+          <a:fontRef idx="minor">
+            <a:schemeClr val="lt1"/>
+          </a:fontRef>
+        </p:style>
+        <p:txBody>
+          <a:bodyPr rtlCol="0" anchor="ctr"/>
+          <a:lstStyle/>
+          <a:p>
+            <a:pPr algn="ctr"/>
+            <a:endParaRPr lang="en-US"/>
+          </a:p>
+        </p:txBody>
+      </p:sp>
+      <p:sp>
+        <p:nvSpPr>
+          <p:cNvPr id="72" name="TextBox 71">
+            <a:extLst>
+              <a:ext uri="{FF2B5EF4-FFF2-40B4-BE49-F238E27FC236}">
+                <a16:creationId xmlns:a16="http://schemas.microsoft.com/office/drawing/2014/main" id="{E8C43B11-766C-4ECD-9E1F-5725E01D87AA}"/>
+              </a:ext>
+            </a:extLst>
+          </p:cNvPr>
+          <p:cNvSpPr txBox="1"/>
+          <p:nvPr/>
+        </p:nvSpPr>
+        <p:spPr>
+          <a:xfrm>
+            <a:off x="3068964" y="4095476"/>
+            <a:ext cx="787396" cy="338554"/>
+          </a:xfrm>
+          <a:prstGeom prst="rect">
+            <a:avLst/>
+          </a:prstGeom>
+          <a:noFill/>
+        </p:spPr>
+        <p:txBody>
+          <a:bodyPr wrap="none" rtlCol="0">
+            <a:spAutoFit/>
+          </a:bodyPr>
+          <a:lstStyle/>
+          <a:p>
+            <a:pPr algn="ctr"/>
+            <a:r>
+              <a:rPr lang="en-US" sz="800" b="1" dirty="0"/>
+              <a:t>CONDITIONAL</a:t>
+            </a:r>
+            <a:br>
+              <a:rPr lang="en-US" sz="800" b="1" dirty="0"/>
+            </a:br>
+            <a:r>
+              <a:rPr lang="en-US" sz="800" b="1" dirty="0"/>
+              <a:t>FILTERING</a:t>
+            </a:r>
+          </a:p>
+        </p:txBody>
+      </p:sp>
+      <p:sp>
+        <p:nvSpPr>
+          <p:cNvPr id="73" name="Flowchart: Process 72">
+            <a:extLst>
+              <a:ext uri="{FF2B5EF4-FFF2-40B4-BE49-F238E27FC236}">
+                <a16:creationId xmlns:a16="http://schemas.microsoft.com/office/drawing/2014/main" id="{9D749B51-A485-4363-80E1-B4FA9E4B615A}"/>
+              </a:ext>
+            </a:extLst>
+          </p:cNvPr>
+          <p:cNvSpPr/>
+          <p:nvPr/>
+        </p:nvSpPr>
+        <p:spPr>
+          <a:xfrm>
+            <a:off x="3947752" y="4130903"/>
+            <a:ext cx="682752" cy="246221"/>
+          </a:xfrm>
+          <a:prstGeom prst="flowChartProcess">
+            <a:avLst/>
+          </a:prstGeom>
+          <a:solidFill>
+            <a:schemeClr val="bg1">
+              <a:lumMod val="95000"/>
+            </a:schemeClr>
+          </a:solidFill>
+        </p:spPr>
+        <p:style>
+          <a:lnRef idx="2">
+            <a:schemeClr val="accent1">
+              <a:shade val="50000"/>
+            </a:schemeClr>
+          </a:lnRef>
+          <a:fillRef idx="1">
+            <a:schemeClr val="accent1"/>
+          </a:fillRef>
+          <a:effectRef idx="0">
+            <a:schemeClr val="accent1"/>
+          </a:effectRef>
+          <a:fontRef idx="minor">
+            <a:schemeClr val="lt1"/>
+          </a:fontRef>
+        </p:style>
+        <p:txBody>
+          <a:bodyPr rtlCol="0" anchor="ctr"/>
+          <a:lstStyle/>
+          <a:p>
+            <a:pPr algn="ctr"/>
+            <a:endParaRPr lang="en-US"/>
+          </a:p>
+        </p:txBody>
+      </p:sp>
+      <p:sp>
+        <p:nvSpPr>
+          <p:cNvPr id="74" name="TextBox 73">
+            <a:extLst>
+              <a:ext uri="{FF2B5EF4-FFF2-40B4-BE49-F238E27FC236}">
+                <a16:creationId xmlns:a16="http://schemas.microsoft.com/office/drawing/2014/main" id="{658708FE-5E77-4707-A9BB-0B3C05CB07DC}"/>
+              </a:ext>
+            </a:extLst>
+          </p:cNvPr>
+          <p:cNvSpPr txBox="1"/>
+          <p:nvPr/>
+        </p:nvSpPr>
+        <p:spPr>
+          <a:xfrm>
+            <a:off x="4063609" y="4152626"/>
+            <a:ext cx="444352" cy="215444"/>
+          </a:xfrm>
+          <a:prstGeom prst="rect">
+            <a:avLst/>
+          </a:prstGeom>
+          <a:noFill/>
+        </p:spPr>
+        <p:txBody>
+          <a:bodyPr wrap="none" rtlCol="0">
+            <a:spAutoFit/>
+          </a:bodyPr>
+          <a:lstStyle/>
+          <a:p>
+            <a:pPr algn="ctr"/>
+            <a:r>
+              <a:rPr lang="en-US" sz="800" b="1" dirty="0"/>
+              <a:t>BUILD</a:t>
+            </a:r>
+          </a:p>
+        </p:txBody>
+      </p:sp>
+      <p:cxnSp>
+        <p:nvCxnSpPr>
+          <p:cNvPr id="75" name="Straight Arrow Connector 74">
+            <a:extLst>
+              <a:ext uri="{FF2B5EF4-FFF2-40B4-BE49-F238E27FC236}">
+                <a16:creationId xmlns:a16="http://schemas.microsoft.com/office/drawing/2014/main" id="{B921DA4B-7F43-405D-8DB4-FE07884229F8}"/>
+              </a:ext>
+            </a:extLst>
+          </p:cNvPr>
+          <p:cNvCxnSpPr>
+            <a:cxnSpLocks/>
+          </p:cNvCxnSpPr>
+          <p:nvPr/>
+        </p:nvCxnSpPr>
+        <p:spPr>
+          <a:xfrm>
+            <a:off x="4814815" y="3790393"/>
+            <a:ext cx="173232" cy="0"/>
+          </a:xfrm>
+          <a:prstGeom prst="straightConnector1">
+            <a:avLst/>
+          </a:prstGeom>
+          <a:ln>
+            <a:tailEnd type="triangle"/>
+          </a:ln>
+        </p:spPr>
+        <p:style>
+          <a:lnRef idx="1">
+            <a:schemeClr val="accent1"/>
+          </a:lnRef>
+          <a:fillRef idx="0">
+            <a:schemeClr val="accent1"/>
+          </a:fillRef>
+          <a:effectRef idx="0">
+            <a:schemeClr val="accent1"/>
+          </a:effectRef>
+          <a:fontRef idx="minor">
+            <a:schemeClr val="tx1"/>
+          </a:fontRef>
+        </p:style>
+      </p:cxnSp>
+      <p:cxnSp>
+        <p:nvCxnSpPr>
+          <p:cNvPr id="76" name="Straight Connector 75">
+            <a:extLst>
+              <a:ext uri="{FF2B5EF4-FFF2-40B4-BE49-F238E27FC236}">
+                <a16:creationId xmlns:a16="http://schemas.microsoft.com/office/drawing/2014/main" id="{F6DF6F8D-C720-4140-81C6-2D6A49C421BA}"/>
+              </a:ext>
+            </a:extLst>
+          </p:cNvPr>
+          <p:cNvCxnSpPr>
+            <a:cxnSpLocks/>
+          </p:cNvCxnSpPr>
+          <p:nvPr/>
+        </p:nvCxnSpPr>
+        <p:spPr>
+          <a:xfrm>
+            <a:off x="4824340" y="3790393"/>
+            <a:ext cx="0" cy="901270"/>
+          </a:xfrm>
+          <a:prstGeom prst="line">
+            <a:avLst/>
+          </a:prstGeom>
+        </p:spPr>
+        <p:style>
+          <a:lnRef idx="1">
+            <a:schemeClr val="accent1"/>
+          </a:lnRef>
+          <a:fillRef idx="0">
+            <a:schemeClr val="accent1"/>
+          </a:fillRef>
+          <a:effectRef idx="0">
+            <a:schemeClr val="accent1"/>
+          </a:effectRef>
+          <a:fontRef idx="minor">
+            <a:schemeClr val="tx1"/>
+          </a:fontRef>
+        </p:style>
+      </p:cxnSp>
+      <p:cxnSp>
+        <p:nvCxnSpPr>
+          <p:cNvPr id="77" name="Straight Arrow Connector 76">
+            <a:extLst>
+              <a:ext uri="{FF2B5EF4-FFF2-40B4-BE49-F238E27FC236}">
+                <a16:creationId xmlns:a16="http://schemas.microsoft.com/office/drawing/2014/main" id="{7A00E925-068E-4EA0-9FCC-95C215F8A1A8}"/>
+              </a:ext>
+            </a:extLst>
+          </p:cNvPr>
+          <p:cNvCxnSpPr>
+            <a:cxnSpLocks/>
+          </p:cNvCxnSpPr>
+          <p:nvPr/>
+        </p:nvCxnSpPr>
+        <p:spPr>
+          <a:xfrm>
+            <a:off x="4824340" y="4238068"/>
+            <a:ext cx="173232" cy="0"/>
+          </a:xfrm>
+          <a:prstGeom prst="straightConnector1">
+            <a:avLst/>
+          </a:prstGeom>
+          <a:ln>
+            <a:tailEnd type="triangle"/>
+          </a:ln>
+        </p:spPr>
+        <p:style>
+          <a:lnRef idx="1">
+            <a:schemeClr val="accent1"/>
+          </a:lnRef>
+          <a:fillRef idx="0">
+            <a:schemeClr val="accent1"/>
+          </a:fillRef>
+          <a:effectRef idx="0">
+            <a:schemeClr val="accent1"/>
+          </a:effectRef>
+          <a:fontRef idx="minor">
+            <a:schemeClr val="tx1"/>
+          </a:fontRef>
+        </p:style>
+      </p:cxnSp>
+      <p:sp>
+        <p:nvSpPr>
+          <p:cNvPr id="78" name="Flowchart: Document 77">
+            <a:extLst>
+              <a:ext uri="{FF2B5EF4-FFF2-40B4-BE49-F238E27FC236}">
+                <a16:creationId xmlns:a16="http://schemas.microsoft.com/office/drawing/2014/main" id="{622E21EC-A1EB-4995-994F-05403C746282}"/>
+              </a:ext>
+            </a:extLst>
+          </p:cNvPr>
+          <p:cNvSpPr/>
+          <p:nvPr/>
+        </p:nvSpPr>
+        <p:spPr>
+          <a:xfrm>
+            <a:off x="4988047" y="3618071"/>
+            <a:ext cx="466547" cy="390525"/>
+          </a:xfrm>
+          <a:prstGeom prst="flowChartDocument">
+            <a:avLst/>
+          </a:prstGeom>
+          <a:solidFill>
+            <a:schemeClr val="tx2">
+              <a:lumMod val="20000"/>
+              <a:lumOff val="80000"/>
+            </a:schemeClr>
+          </a:solidFill>
+        </p:spPr>
+        <p:style>
+          <a:lnRef idx="2">
+            <a:schemeClr val="accent1">
+              <a:shade val="50000"/>
+            </a:schemeClr>
+          </a:lnRef>
+          <a:fillRef idx="1">
+            <a:schemeClr val="accent1"/>
+          </a:fillRef>
+          <a:effectRef idx="0">
+            <a:schemeClr val="accent1"/>
+          </a:effectRef>
+          <a:fontRef idx="minor">
+            <a:schemeClr val="lt1"/>
+          </a:fontRef>
+        </p:style>
+        <p:txBody>
+          <a:bodyPr rtlCol="0" anchor="ctr"/>
+          <a:lstStyle/>
+          <a:p>
+            <a:pPr algn="ctr"/>
+            <a:endParaRPr lang="en-US"/>
+          </a:p>
+        </p:txBody>
+      </p:sp>
+      <p:sp>
+        <p:nvSpPr>
+          <p:cNvPr id="79" name="TextBox 78">
+            <a:extLst>
+              <a:ext uri="{FF2B5EF4-FFF2-40B4-BE49-F238E27FC236}">
+                <a16:creationId xmlns:a16="http://schemas.microsoft.com/office/drawing/2014/main" id="{A5EDA080-5F2D-42E4-A0B5-EA34B56E5255}"/>
+              </a:ext>
+            </a:extLst>
+          </p:cNvPr>
+          <p:cNvSpPr txBox="1"/>
+          <p:nvPr/>
+        </p:nvSpPr>
+        <p:spPr>
+          <a:xfrm>
+            <a:off x="4918099" y="3601164"/>
+            <a:ext cx="625492" cy="369332"/>
+          </a:xfrm>
+          <a:prstGeom prst="rect">
+            <a:avLst/>
+          </a:prstGeom>
+          <a:noFill/>
+        </p:spPr>
+        <p:txBody>
+          <a:bodyPr wrap="none" rtlCol="0">
+            <a:spAutoFit/>
+          </a:bodyPr>
+          <a:lstStyle/>
+          <a:p>
+            <a:pPr algn="ctr"/>
+            <a:r>
+              <a:rPr lang="en-US" sz="900" b="1" dirty="0"/>
+              <a:t>Cloud</a:t>
+            </a:r>
+          </a:p>
+          <a:p>
+            <a:pPr algn="ctr"/>
+            <a:r>
+              <a:rPr lang="en-US" sz="900" b="1" dirty="0"/>
+              <a:t>Compute</a:t>
+            </a:r>
+          </a:p>
+        </p:txBody>
+      </p:sp>
+      <p:cxnSp>
+        <p:nvCxnSpPr>
+          <p:cNvPr id="81" name="Straight Arrow Connector 80">
+            <a:extLst>
+              <a:ext uri="{FF2B5EF4-FFF2-40B4-BE49-F238E27FC236}">
+                <a16:creationId xmlns:a16="http://schemas.microsoft.com/office/drawing/2014/main" id="{1BC1978B-B789-4C04-8003-FF0025E9DF04}"/>
+              </a:ext>
+            </a:extLst>
+          </p:cNvPr>
+          <p:cNvCxnSpPr>
+            <a:cxnSpLocks/>
+          </p:cNvCxnSpPr>
+          <p:nvPr/>
+        </p:nvCxnSpPr>
+        <p:spPr>
+          <a:xfrm>
+            <a:off x="4824340" y="4691663"/>
+            <a:ext cx="173232" cy="0"/>
+          </a:xfrm>
+          <a:prstGeom prst="straightConnector1">
+            <a:avLst/>
+          </a:prstGeom>
+          <a:ln>
+            <a:tailEnd type="triangle"/>
+          </a:ln>
+        </p:spPr>
+        <p:style>
+          <a:lnRef idx="1">
+            <a:schemeClr val="accent1"/>
+          </a:lnRef>
+          <a:fillRef idx="0">
+            <a:schemeClr val="accent1"/>
+          </a:fillRef>
+          <a:effectRef idx="0">
+            <a:schemeClr val="accent1"/>
+          </a:effectRef>
+          <a:fontRef idx="minor">
+            <a:schemeClr val="tx1"/>
+          </a:fontRef>
+        </p:style>
+      </p:cxnSp>
+      <p:cxnSp>
+        <p:nvCxnSpPr>
+          <p:cNvPr id="82" name="Straight Arrow Connector 81">
+            <a:extLst>
+              <a:ext uri="{FF2B5EF4-FFF2-40B4-BE49-F238E27FC236}">
+                <a16:creationId xmlns:a16="http://schemas.microsoft.com/office/drawing/2014/main" id="{6C9D7336-21E8-4A59-9DFE-36D9B5F1725A}"/>
+              </a:ext>
+            </a:extLst>
+          </p:cNvPr>
+          <p:cNvCxnSpPr/>
+          <p:nvPr/>
+        </p:nvCxnSpPr>
+        <p:spPr>
+          <a:xfrm>
+            <a:off x="2977969" y="5731320"/>
+            <a:ext cx="1836774" cy="0"/>
+          </a:xfrm>
+          <a:prstGeom prst="straightConnector1">
+            <a:avLst/>
+          </a:prstGeom>
+          <a:ln>
+            <a:tailEnd type="none"/>
+          </a:ln>
+        </p:spPr>
+        <p:style>
+          <a:lnRef idx="1">
+            <a:schemeClr val="accent1"/>
+          </a:lnRef>
+          <a:fillRef idx="0">
+            <a:schemeClr val="accent1"/>
+          </a:fillRef>
+          <a:effectRef idx="0">
+            <a:schemeClr val="accent1"/>
+          </a:effectRef>
+          <a:fontRef idx="minor">
+            <a:schemeClr val="tx1"/>
+          </a:fontRef>
+        </p:style>
+      </p:cxnSp>
+      <p:sp>
+        <p:nvSpPr>
+          <p:cNvPr id="83" name="Flowchart: Process 82">
+            <a:extLst>
+              <a:ext uri="{FF2B5EF4-FFF2-40B4-BE49-F238E27FC236}">
+                <a16:creationId xmlns:a16="http://schemas.microsoft.com/office/drawing/2014/main" id="{2ADB55E7-D2CB-4490-A25D-8A8FB83ECC02}"/>
+              </a:ext>
+            </a:extLst>
+          </p:cNvPr>
+          <p:cNvSpPr/>
+          <p:nvPr/>
+        </p:nvSpPr>
+        <p:spPr>
+          <a:xfrm>
+            <a:off x="3105579" y="5626328"/>
+            <a:ext cx="682752" cy="246221"/>
+          </a:xfrm>
+          <a:prstGeom prst="flowChartProcess">
+            <a:avLst/>
+          </a:prstGeom>
+          <a:solidFill>
+            <a:schemeClr val="bg1">
+              <a:lumMod val="95000"/>
+            </a:schemeClr>
+          </a:solidFill>
+        </p:spPr>
+        <p:style>
+          <a:lnRef idx="2">
+            <a:schemeClr val="accent1">
+              <a:shade val="50000"/>
+            </a:schemeClr>
+          </a:lnRef>
+          <a:fillRef idx="1">
+            <a:schemeClr val="accent1"/>
+          </a:fillRef>
+          <a:effectRef idx="0">
+            <a:schemeClr val="accent1"/>
+          </a:effectRef>
+          <a:fontRef idx="minor">
+            <a:schemeClr val="lt1"/>
+          </a:fontRef>
+        </p:style>
+        <p:txBody>
+          <a:bodyPr rtlCol="0" anchor="ctr"/>
+          <a:lstStyle/>
+          <a:p>
+            <a:pPr algn="ctr"/>
+            <a:endParaRPr lang="en-US"/>
+          </a:p>
+        </p:txBody>
+      </p:sp>
+      <p:sp>
+        <p:nvSpPr>
+          <p:cNvPr id="84" name="TextBox 83">
+            <a:extLst>
+              <a:ext uri="{FF2B5EF4-FFF2-40B4-BE49-F238E27FC236}">
+                <a16:creationId xmlns:a16="http://schemas.microsoft.com/office/drawing/2014/main" id="{D805CD5A-760F-49E7-9417-6D4FC03B4016}"/>
+              </a:ext>
+            </a:extLst>
+          </p:cNvPr>
+          <p:cNvSpPr txBox="1"/>
+          <p:nvPr/>
+        </p:nvSpPr>
+        <p:spPr>
+          <a:xfrm>
+            <a:off x="3165145" y="5648051"/>
+            <a:ext cx="595035" cy="215444"/>
+          </a:xfrm>
+          <a:prstGeom prst="rect">
+            <a:avLst/>
+          </a:prstGeom>
+          <a:noFill/>
+        </p:spPr>
+        <p:txBody>
+          <a:bodyPr wrap="none" rtlCol="0">
+            <a:spAutoFit/>
+          </a:bodyPr>
+          <a:lstStyle/>
+          <a:p>
+            <a:pPr algn="ctr"/>
+            <a:r>
+              <a:rPr lang="en-US" sz="800" b="1" dirty="0"/>
+              <a:t>BADGING</a:t>
+            </a:r>
+          </a:p>
+        </p:txBody>
+      </p:sp>
+      <p:sp>
+        <p:nvSpPr>
+          <p:cNvPr id="85" name="Flowchart: Process 84">
+            <a:extLst>
+              <a:ext uri="{FF2B5EF4-FFF2-40B4-BE49-F238E27FC236}">
+                <a16:creationId xmlns:a16="http://schemas.microsoft.com/office/drawing/2014/main" id="{D91080D4-725A-4EB4-987E-CCC96B730938}"/>
+              </a:ext>
+            </a:extLst>
+          </p:cNvPr>
+          <p:cNvSpPr/>
+          <p:nvPr/>
+        </p:nvSpPr>
+        <p:spPr>
+          <a:xfrm>
+            <a:off x="3947752" y="5626328"/>
+            <a:ext cx="682752" cy="246221"/>
+          </a:xfrm>
+          <a:prstGeom prst="flowChartProcess">
+            <a:avLst/>
+          </a:prstGeom>
+          <a:solidFill>
+            <a:schemeClr val="bg1">
+              <a:lumMod val="95000"/>
+            </a:schemeClr>
+          </a:solidFill>
+        </p:spPr>
+        <p:style>
+          <a:lnRef idx="2">
+            <a:schemeClr val="accent1">
+              <a:shade val="50000"/>
+            </a:schemeClr>
+          </a:lnRef>
+          <a:fillRef idx="1">
+            <a:schemeClr val="accent1"/>
+          </a:fillRef>
+          <a:effectRef idx="0">
+            <a:schemeClr val="accent1"/>
+          </a:effectRef>
+          <a:fontRef idx="minor">
+            <a:schemeClr val="lt1"/>
+          </a:fontRef>
+        </p:style>
+        <p:txBody>
+          <a:bodyPr rtlCol="0" anchor="ctr"/>
+          <a:lstStyle/>
+          <a:p>
+            <a:pPr algn="ctr"/>
+            <a:endParaRPr lang="en-US"/>
+          </a:p>
+        </p:txBody>
+      </p:sp>
+      <p:sp>
+        <p:nvSpPr>
+          <p:cNvPr id="86" name="TextBox 85">
+            <a:extLst>
+              <a:ext uri="{FF2B5EF4-FFF2-40B4-BE49-F238E27FC236}">
+                <a16:creationId xmlns:a16="http://schemas.microsoft.com/office/drawing/2014/main" id="{911FFDDC-EE11-442F-8911-173C705F50FA}"/>
+              </a:ext>
+            </a:extLst>
+          </p:cNvPr>
+          <p:cNvSpPr txBox="1"/>
+          <p:nvPr/>
+        </p:nvSpPr>
+        <p:spPr>
+          <a:xfrm>
+            <a:off x="4063609" y="5648051"/>
+            <a:ext cx="444352" cy="215444"/>
+          </a:xfrm>
+          <a:prstGeom prst="rect">
+            <a:avLst/>
+          </a:prstGeom>
+          <a:noFill/>
+        </p:spPr>
+        <p:txBody>
+          <a:bodyPr wrap="none" rtlCol="0">
+            <a:spAutoFit/>
+          </a:bodyPr>
+          <a:lstStyle/>
+          <a:p>
+            <a:pPr algn="ctr"/>
+            <a:r>
+              <a:rPr lang="en-US" sz="800" b="1" dirty="0"/>
+              <a:t>BUILD</a:t>
+            </a:r>
+          </a:p>
+        </p:txBody>
+      </p:sp>
+      <p:cxnSp>
+        <p:nvCxnSpPr>
+          <p:cNvPr id="89" name="Straight Arrow Connector 88">
+            <a:extLst>
+              <a:ext uri="{FF2B5EF4-FFF2-40B4-BE49-F238E27FC236}">
+                <a16:creationId xmlns:a16="http://schemas.microsoft.com/office/drawing/2014/main" id="{14605A86-87AF-4C3F-A271-90B590033E0A}"/>
+              </a:ext>
+            </a:extLst>
+          </p:cNvPr>
+          <p:cNvCxnSpPr>
+            <a:cxnSpLocks/>
+          </p:cNvCxnSpPr>
+          <p:nvPr/>
+        </p:nvCxnSpPr>
+        <p:spPr>
+          <a:xfrm>
+            <a:off x="4824340" y="5733493"/>
+            <a:ext cx="173232" cy="0"/>
+          </a:xfrm>
+          <a:prstGeom prst="straightConnector1">
+            <a:avLst/>
+          </a:prstGeom>
+          <a:ln>
+            <a:tailEnd type="triangle"/>
+          </a:ln>
+        </p:spPr>
+        <p:style>
+          <a:lnRef idx="1">
+            <a:schemeClr val="accent1"/>
+          </a:lnRef>
+          <a:fillRef idx="0">
+            <a:schemeClr val="accent1"/>
+          </a:fillRef>
+          <a:effectRef idx="0">
+            <a:schemeClr val="accent1"/>
+          </a:effectRef>
+          <a:fontRef idx="minor">
+            <a:schemeClr val="tx1"/>
+          </a:fontRef>
+        </p:style>
+      </p:cxnSp>
+    </p:spTree>
+    <p:extLst>
+      <p:ext uri="{BB962C8B-B14F-4D97-AF65-F5344CB8AC3E}">
+        <p14:creationId xmlns:p14="http://schemas.microsoft.com/office/powerpoint/2010/main" val="3966974718"/>
+      </p:ext>
+    </p:extLst>
+  </p:cSld>
+  <p:clrMapOvr>
+    <a:masterClrMapping/>
+  </p:clrMapOvr>
+</p:sld>
+</file>
+
 <file path=ppt/theme/theme1.xml><?xml version="1.0" encoding="utf-8"?>
 <a:theme xmlns:a="http://schemas.openxmlformats.org/drawingml/2006/main" name="Office Theme">
   <a:themeElements>

--- a/images/gallery.pptx
+++ b/images/gallery.pptx
@@ -244,7 +244,7 @@
           <a:p>
             <a:fld id="{93CEFBB3-A51B-4364-855C-3CE345741057}" type="datetimeFigureOut">
               <a:rPr lang="en-US" smtClean="0"/>
-              <a:t>10/31/2018</a:t>
+              <a:t>2/1/2019</a:t>
             </a:fld>
             <a:endParaRPr lang="en-US"/>
           </a:p>
@@ -414,7 +414,7 @@
           <a:p>
             <a:fld id="{93CEFBB3-A51B-4364-855C-3CE345741057}" type="datetimeFigureOut">
               <a:rPr lang="en-US" smtClean="0"/>
-              <a:t>10/31/2018</a:t>
+              <a:t>2/1/2019</a:t>
             </a:fld>
             <a:endParaRPr lang="en-US"/>
           </a:p>
@@ -594,7 +594,7 @@
           <a:p>
             <a:fld id="{93CEFBB3-A51B-4364-855C-3CE345741057}" type="datetimeFigureOut">
               <a:rPr lang="en-US" smtClean="0"/>
-              <a:t>10/31/2018</a:t>
+              <a:t>2/1/2019</a:t>
             </a:fld>
             <a:endParaRPr lang="en-US"/>
           </a:p>
@@ -764,7 +764,7 @@
           <a:p>
             <a:fld id="{93CEFBB3-A51B-4364-855C-3CE345741057}" type="datetimeFigureOut">
               <a:rPr lang="en-US" smtClean="0"/>
-              <a:t>10/31/2018</a:t>
+              <a:t>2/1/2019</a:t>
             </a:fld>
             <a:endParaRPr lang="en-US"/>
           </a:p>
@@ -1008,7 +1008,7 @@
           <a:p>
             <a:fld id="{93CEFBB3-A51B-4364-855C-3CE345741057}" type="datetimeFigureOut">
               <a:rPr lang="en-US" smtClean="0"/>
-              <a:t>10/31/2018</a:t>
+              <a:t>2/1/2019</a:t>
             </a:fld>
             <a:endParaRPr lang="en-US"/>
           </a:p>
@@ -1240,7 +1240,7 @@
           <a:p>
             <a:fld id="{93CEFBB3-A51B-4364-855C-3CE345741057}" type="datetimeFigureOut">
               <a:rPr lang="en-US" smtClean="0"/>
-              <a:t>10/31/2018</a:t>
+              <a:t>2/1/2019</a:t>
             </a:fld>
             <a:endParaRPr lang="en-US"/>
           </a:p>
@@ -1607,7 +1607,7 @@
           <a:p>
             <a:fld id="{93CEFBB3-A51B-4364-855C-3CE345741057}" type="datetimeFigureOut">
               <a:rPr lang="en-US" smtClean="0"/>
-              <a:t>10/31/2018</a:t>
+              <a:t>2/1/2019</a:t>
             </a:fld>
             <a:endParaRPr lang="en-US"/>
           </a:p>
@@ -1725,7 +1725,7 @@
           <a:p>
             <a:fld id="{93CEFBB3-A51B-4364-855C-3CE345741057}" type="datetimeFigureOut">
               <a:rPr lang="en-US" smtClean="0"/>
-              <a:t>10/31/2018</a:t>
+              <a:t>2/1/2019</a:t>
             </a:fld>
             <a:endParaRPr lang="en-US"/>
           </a:p>
@@ -1820,7 +1820,7 @@
           <a:p>
             <a:fld id="{93CEFBB3-A51B-4364-855C-3CE345741057}" type="datetimeFigureOut">
               <a:rPr lang="en-US" smtClean="0"/>
-              <a:t>10/31/2018</a:t>
+              <a:t>2/1/2019</a:t>
             </a:fld>
             <a:endParaRPr lang="en-US"/>
           </a:p>
@@ -2097,7 +2097,7 @@
           <a:p>
             <a:fld id="{93CEFBB3-A51B-4364-855C-3CE345741057}" type="datetimeFigureOut">
               <a:rPr lang="en-US" smtClean="0"/>
-              <a:t>10/31/2018</a:t>
+              <a:t>2/1/2019</a:t>
             </a:fld>
             <a:endParaRPr lang="en-US"/>
           </a:p>
@@ -2354,7 +2354,7 @@
           <a:p>
             <a:fld id="{93CEFBB3-A51B-4364-855C-3CE345741057}" type="datetimeFigureOut">
               <a:rPr lang="en-US" smtClean="0"/>
-              <a:t>10/31/2018</a:t>
+              <a:t>2/1/2019</a:t>
             </a:fld>
             <a:endParaRPr lang="en-US"/>
           </a:p>
@@ -2567,7 +2567,7 @@
           <a:p>
             <a:fld id="{93CEFBB3-A51B-4364-855C-3CE345741057}" type="datetimeFigureOut">
               <a:rPr lang="en-US" smtClean="0"/>
-              <a:t>10/31/2018</a:t>
+              <a:t>2/1/2019</a:t>
             </a:fld>
             <a:endParaRPr lang="en-US"/>
           </a:p>
@@ -4150,6 +4150,114 @@
       </p:grpSpPr>
       <p:cxnSp>
         <p:nvCxnSpPr>
+          <p:cNvPr id="34" name="Straight Connector 33">
+            <a:extLst>
+              <a:ext uri="{FF2B5EF4-FFF2-40B4-BE49-F238E27FC236}">
+                <a16:creationId xmlns:a16="http://schemas.microsoft.com/office/drawing/2014/main" id="{F8E35FE0-DCE8-4D0F-88B0-42AE8412FC3D}"/>
+              </a:ext>
+            </a:extLst>
+          </p:cNvPr>
+          <p:cNvCxnSpPr/>
+          <p:nvPr/>
+        </p:nvCxnSpPr>
+        <p:spPr>
+          <a:xfrm>
+            <a:off x="5732496" y="5679176"/>
+            <a:ext cx="780665" cy="0"/>
+          </a:xfrm>
+          <a:prstGeom prst="line">
+            <a:avLst/>
+          </a:prstGeom>
+        </p:spPr>
+        <p:style>
+          <a:lnRef idx="1">
+            <a:schemeClr val="accent1"/>
+          </a:lnRef>
+          <a:fillRef idx="0">
+            <a:schemeClr val="accent1"/>
+          </a:fillRef>
+          <a:effectRef idx="0">
+            <a:schemeClr val="accent1"/>
+          </a:effectRef>
+          <a:fontRef idx="minor">
+            <a:schemeClr val="tx1"/>
+          </a:fontRef>
+        </p:style>
+      </p:cxnSp>
+      <p:cxnSp>
+        <p:nvCxnSpPr>
+          <p:cNvPr id="80" name="Straight Connector 79">
+            <a:extLst>
+              <a:ext uri="{FF2B5EF4-FFF2-40B4-BE49-F238E27FC236}">
+                <a16:creationId xmlns:a16="http://schemas.microsoft.com/office/drawing/2014/main" id="{BDD2226B-EFC4-40EE-8248-0886A6300A90}"/>
+              </a:ext>
+            </a:extLst>
+          </p:cNvPr>
+          <p:cNvCxnSpPr/>
+          <p:nvPr/>
+        </p:nvCxnSpPr>
+        <p:spPr>
+          <a:xfrm>
+            <a:off x="5405020" y="5463268"/>
+            <a:ext cx="780665" cy="0"/>
+          </a:xfrm>
+          <a:prstGeom prst="line">
+            <a:avLst/>
+          </a:prstGeom>
+        </p:spPr>
+        <p:style>
+          <a:lnRef idx="1">
+            <a:schemeClr val="accent1"/>
+          </a:lnRef>
+          <a:fillRef idx="0">
+            <a:schemeClr val="accent1"/>
+          </a:fillRef>
+          <a:effectRef idx="0">
+            <a:schemeClr val="accent1"/>
+          </a:effectRef>
+          <a:fontRef idx="minor">
+            <a:schemeClr val="tx1"/>
+          </a:fontRef>
+        </p:style>
+      </p:cxnSp>
+      <p:cxnSp>
+        <p:nvCxnSpPr>
+          <p:cNvPr id="87" name="Straight Connector 86">
+            <a:extLst>
+              <a:ext uri="{FF2B5EF4-FFF2-40B4-BE49-F238E27FC236}">
+                <a16:creationId xmlns:a16="http://schemas.microsoft.com/office/drawing/2014/main" id="{4961B90E-B471-48BB-B597-A0E0B57E16BD}"/>
+              </a:ext>
+            </a:extLst>
+          </p:cNvPr>
+          <p:cNvCxnSpPr/>
+          <p:nvPr/>
+        </p:nvCxnSpPr>
+        <p:spPr>
+          <a:xfrm>
+            <a:off x="5411584" y="5905628"/>
+            <a:ext cx="780665" cy="0"/>
+          </a:xfrm>
+          <a:prstGeom prst="line">
+            <a:avLst/>
+          </a:prstGeom>
+        </p:spPr>
+        <p:style>
+          <a:lnRef idx="1">
+            <a:schemeClr val="accent1"/>
+          </a:lnRef>
+          <a:fillRef idx="0">
+            <a:schemeClr val="accent1"/>
+          </a:fillRef>
+          <a:effectRef idx="0">
+            <a:schemeClr val="accent1"/>
+          </a:effectRef>
+          <a:fontRef idx="minor">
+            <a:schemeClr val="tx1"/>
+          </a:fontRef>
+        </p:style>
+      </p:cxnSp>
+      <p:cxnSp>
+        <p:nvCxnSpPr>
           <p:cNvPr id="55" name="Straight Arrow Connector 54">
             <a:extLst>
               <a:ext uri="{FF2B5EF4-FFF2-40B4-BE49-F238E27FC236}">
@@ -6925,6 +7033,201 @@
           </a:fontRef>
         </p:style>
       </p:cxnSp>
+      <p:pic>
+        <p:nvPicPr>
+          <p:cNvPr id="8" name="Picture 7">
+            <a:extLst>
+              <a:ext uri="{FF2B5EF4-FFF2-40B4-BE49-F238E27FC236}">
+                <a16:creationId xmlns:a16="http://schemas.microsoft.com/office/drawing/2014/main" id="{B2CD8467-954A-45CD-8DCC-C1EED7EE66ED}"/>
+              </a:ext>
+            </a:extLst>
+          </p:cNvPr>
+          <p:cNvPicPr>
+            <a:picLocks noChangeAspect="1"/>
+          </p:cNvPicPr>
+          <p:nvPr/>
+        </p:nvPicPr>
+        <p:blipFill>
+          <a:blip r:embed="rId5"/>
+          <a:stretch>
+            <a:fillRect/>
+          </a:stretch>
+        </p:blipFill>
+        <p:spPr>
+          <a:xfrm>
+            <a:off x="6190578" y="5775822"/>
+            <a:ext cx="299834" cy="289727"/>
+          </a:xfrm>
+          <a:prstGeom prst="rect">
+            <a:avLst/>
+          </a:prstGeom>
+        </p:spPr>
+      </p:pic>
+      <p:pic>
+        <p:nvPicPr>
+          <p:cNvPr id="9" name="Picture 8">
+            <a:extLst>
+              <a:ext uri="{FF2B5EF4-FFF2-40B4-BE49-F238E27FC236}">
+                <a16:creationId xmlns:a16="http://schemas.microsoft.com/office/drawing/2014/main" id="{6C4CD21B-F2DE-4B3A-802F-DAE47FDA27C6}"/>
+              </a:ext>
+            </a:extLst>
+          </p:cNvPr>
+          <p:cNvPicPr>
+            <a:picLocks noChangeAspect="1"/>
+          </p:cNvPicPr>
+          <p:nvPr/>
+        </p:nvPicPr>
+        <p:blipFill>
+          <a:blip r:embed="rId6"/>
+          <a:stretch>
+            <a:fillRect/>
+          </a:stretch>
+        </p:blipFill>
+        <p:spPr>
+          <a:xfrm>
+            <a:off x="6531823" y="5486605"/>
+            <a:ext cx="359953" cy="347819"/>
+          </a:xfrm>
+          <a:prstGeom prst="rect">
+            <a:avLst/>
+          </a:prstGeom>
+        </p:spPr>
+      </p:pic>
+      <p:pic>
+        <p:nvPicPr>
+          <p:cNvPr id="10" name="Picture 9">
+            <a:extLst>
+              <a:ext uri="{FF2B5EF4-FFF2-40B4-BE49-F238E27FC236}">
+                <a16:creationId xmlns:a16="http://schemas.microsoft.com/office/drawing/2014/main" id="{DCDA4F84-941C-4D12-A494-5E1A9C733D38}"/>
+              </a:ext>
+            </a:extLst>
+          </p:cNvPr>
+          <p:cNvPicPr>
+            <a:picLocks noChangeAspect="1"/>
+          </p:cNvPicPr>
+          <p:nvPr/>
+        </p:nvPicPr>
+        <p:blipFill>
+          <a:blip r:embed="rId7"/>
+          <a:stretch>
+            <a:fillRect/>
+          </a:stretch>
+        </p:blipFill>
+        <p:spPr>
+          <a:xfrm>
+            <a:off x="6185062" y="5299743"/>
+            <a:ext cx="299833" cy="289726"/>
+          </a:xfrm>
+          <a:prstGeom prst="rect">
+            <a:avLst/>
+          </a:prstGeom>
+        </p:spPr>
+      </p:pic>
+      <p:sp>
+        <p:nvSpPr>
+          <p:cNvPr id="35" name="TextBox 34">
+            <a:extLst>
+              <a:ext uri="{FF2B5EF4-FFF2-40B4-BE49-F238E27FC236}">
+                <a16:creationId xmlns:a16="http://schemas.microsoft.com/office/drawing/2014/main" id="{1E9C8F02-36EC-4243-BFF4-2B66DD6E02EC}"/>
+              </a:ext>
+            </a:extLst>
+          </p:cNvPr>
+          <p:cNvSpPr txBox="1"/>
+          <p:nvPr/>
+        </p:nvSpPr>
+        <p:spPr>
+          <a:xfrm>
+            <a:off x="5813468" y="5321747"/>
+            <a:ext cx="442750" cy="215444"/>
+          </a:xfrm>
+          <a:prstGeom prst="rect">
+            <a:avLst/>
+          </a:prstGeom>
+          <a:noFill/>
+        </p:spPr>
+        <p:txBody>
+          <a:bodyPr wrap="none" rtlCol="0">
+            <a:spAutoFit/>
+          </a:bodyPr>
+          <a:lstStyle/>
+          <a:p>
+            <a:r>
+              <a:rPr lang="en-US" sz="800" b="1" dirty="0"/>
+              <a:t>badge</a:t>
+            </a:r>
+          </a:p>
+        </p:txBody>
+      </p:sp>
+      <p:sp>
+        <p:nvSpPr>
+          <p:cNvPr id="88" name="TextBox 87">
+            <a:extLst>
+              <a:ext uri="{FF2B5EF4-FFF2-40B4-BE49-F238E27FC236}">
+                <a16:creationId xmlns:a16="http://schemas.microsoft.com/office/drawing/2014/main" id="{DB6353E8-391A-49F9-91A5-814B4C17DE01}"/>
+              </a:ext>
+            </a:extLst>
+          </p:cNvPr>
+          <p:cNvSpPr txBox="1"/>
+          <p:nvPr/>
+        </p:nvSpPr>
+        <p:spPr>
+          <a:xfrm>
+            <a:off x="5816580" y="5744728"/>
+            <a:ext cx="442750" cy="215444"/>
+          </a:xfrm>
+          <a:prstGeom prst="rect">
+            <a:avLst/>
+          </a:prstGeom>
+          <a:noFill/>
+        </p:spPr>
+        <p:txBody>
+          <a:bodyPr wrap="none" rtlCol="0">
+            <a:spAutoFit/>
+          </a:bodyPr>
+          <a:lstStyle/>
+          <a:p>
+            <a:r>
+              <a:rPr lang="en-US" sz="800" b="1" dirty="0"/>
+              <a:t>badge</a:t>
+            </a:r>
+          </a:p>
+        </p:txBody>
+      </p:sp>
+      <p:sp>
+        <p:nvSpPr>
+          <p:cNvPr id="90" name="TextBox 89">
+            <a:extLst>
+              <a:ext uri="{FF2B5EF4-FFF2-40B4-BE49-F238E27FC236}">
+                <a16:creationId xmlns:a16="http://schemas.microsoft.com/office/drawing/2014/main" id="{DE947E78-0D2E-4D66-99DE-1A04D03AD356}"/>
+              </a:ext>
+            </a:extLst>
+          </p:cNvPr>
+          <p:cNvSpPr txBox="1"/>
+          <p:nvPr/>
+        </p:nvSpPr>
+        <p:spPr>
+          <a:xfrm>
+            <a:off x="5996973" y="5533231"/>
+            <a:ext cx="442750" cy="215444"/>
+          </a:xfrm>
+          <a:prstGeom prst="rect">
+            <a:avLst/>
+          </a:prstGeom>
+          <a:noFill/>
+        </p:spPr>
+        <p:txBody>
+          <a:bodyPr wrap="none" rtlCol="0">
+            <a:spAutoFit/>
+          </a:bodyPr>
+          <a:lstStyle/>
+          <a:p>
+            <a:r>
+              <a:rPr lang="en-US" sz="800" b="1" dirty="0"/>
+              <a:t>badge</a:t>
+            </a:r>
+          </a:p>
+        </p:txBody>
+      </p:sp>
     </p:spTree>
     <p:extLst>
       <p:ext uri="{BB962C8B-B14F-4D97-AF65-F5344CB8AC3E}">
